--- a/document/Game1.pptx
+++ b/document/Game1.pptx
@@ -6,7 +6,11 @@
   </p:sldMasterIdLst>
   <p:sldIdLst>
     <p:sldId id="256" r:id="rId2"/>
-    <p:sldId id="257" r:id="rId3"/>
+    <p:sldId id="258" r:id="rId3"/>
+    <p:sldId id="259" r:id="rId4"/>
+    <p:sldId id="260" r:id="rId5"/>
+    <p:sldId id="261" r:id="rId6"/>
+    <p:sldId id="257" r:id="rId7"/>
   </p:sldIdLst>
   <p:sldSz cx="12192000" cy="6858000"/>
   <p:notesSz cx="6858000" cy="9144000"/>
@@ -244,7 +248,7 @@
           <a:p>
             <a:fld id="{083D84ED-982B-4771-B198-BFBDD5FED90A}" type="datetimeFigureOut">
               <a:rPr lang="zh-TW" altLang="en-US" smtClean="0"/>
-              <a:t>2015/12/14</a:t>
+              <a:t>2015/12/19</a:t>
             </a:fld>
             <a:endParaRPr lang="zh-TW" altLang="en-US"/>
           </a:p>
@@ -414,7 +418,7 @@
           <a:p>
             <a:fld id="{083D84ED-982B-4771-B198-BFBDD5FED90A}" type="datetimeFigureOut">
               <a:rPr lang="zh-TW" altLang="en-US" smtClean="0"/>
-              <a:t>2015/12/14</a:t>
+              <a:t>2015/12/19</a:t>
             </a:fld>
             <a:endParaRPr lang="zh-TW" altLang="en-US"/>
           </a:p>
@@ -594,7 +598,7 @@
           <a:p>
             <a:fld id="{083D84ED-982B-4771-B198-BFBDD5FED90A}" type="datetimeFigureOut">
               <a:rPr lang="zh-TW" altLang="en-US" smtClean="0"/>
-              <a:t>2015/12/14</a:t>
+              <a:t>2015/12/19</a:t>
             </a:fld>
             <a:endParaRPr lang="zh-TW" altLang="en-US"/>
           </a:p>
@@ -764,7 +768,7 @@
           <a:p>
             <a:fld id="{083D84ED-982B-4771-B198-BFBDD5FED90A}" type="datetimeFigureOut">
               <a:rPr lang="zh-TW" altLang="en-US" smtClean="0"/>
-              <a:t>2015/12/14</a:t>
+              <a:t>2015/12/19</a:t>
             </a:fld>
             <a:endParaRPr lang="zh-TW" altLang="en-US"/>
           </a:p>
@@ -1010,7 +1014,7 @@
           <a:p>
             <a:fld id="{083D84ED-982B-4771-B198-BFBDD5FED90A}" type="datetimeFigureOut">
               <a:rPr lang="zh-TW" altLang="en-US" smtClean="0"/>
-              <a:t>2015/12/14</a:t>
+              <a:t>2015/12/19</a:t>
             </a:fld>
             <a:endParaRPr lang="zh-TW" altLang="en-US"/>
           </a:p>
@@ -1242,7 +1246,7 @@
           <a:p>
             <a:fld id="{083D84ED-982B-4771-B198-BFBDD5FED90A}" type="datetimeFigureOut">
               <a:rPr lang="zh-TW" altLang="en-US" smtClean="0"/>
-              <a:t>2015/12/14</a:t>
+              <a:t>2015/12/19</a:t>
             </a:fld>
             <a:endParaRPr lang="zh-TW" altLang="en-US"/>
           </a:p>
@@ -1609,7 +1613,7 @@
           <a:p>
             <a:fld id="{083D84ED-982B-4771-B198-BFBDD5FED90A}" type="datetimeFigureOut">
               <a:rPr lang="zh-TW" altLang="en-US" smtClean="0"/>
-              <a:t>2015/12/14</a:t>
+              <a:t>2015/12/19</a:t>
             </a:fld>
             <a:endParaRPr lang="zh-TW" altLang="en-US"/>
           </a:p>
@@ -1727,7 +1731,7 @@
           <a:p>
             <a:fld id="{083D84ED-982B-4771-B198-BFBDD5FED90A}" type="datetimeFigureOut">
               <a:rPr lang="zh-TW" altLang="en-US" smtClean="0"/>
-              <a:t>2015/12/14</a:t>
+              <a:t>2015/12/19</a:t>
             </a:fld>
             <a:endParaRPr lang="zh-TW" altLang="en-US"/>
           </a:p>
@@ -1822,7 +1826,7 @@
           <a:p>
             <a:fld id="{083D84ED-982B-4771-B198-BFBDD5FED90A}" type="datetimeFigureOut">
               <a:rPr lang="zh-TW" altLang="en-US" smtClean="0"/>
-              <a:t>2015/12/14</a:t>
+              <a:t>2015/12/19</a:t>
             </a:fld>
             <a:endParaRPr lang="zh-TW" altLang="en-US"/>
           </a:p>
@@ -2099,7 +2103,7 @@
           <a:p>
             <a:fld id="{083D84ED-982B-4771-B198-BFBDD5FED90A}" type="datetimeFigureOut">
               <a:rPr lang="zh-TW" altLang="en-US" smtClean="0"/>
-              <a:t>2015/12/14</a:t>
+              <a:t>2015/12/19</a:t>
             </a:fld>
             <a:endParaRPr lang="zh-TW" altLang="en-US"/>
           </a:p>
@@ -2352,7 +2356,7 @@
           <a:p>
             <a:fld id="{083D84ED-982B-4771-B198-BFBDD5FED90A}" type="datetimeFigureOut">
               <a:rPr lang="zh-TW" altLang="en-US" smtClean="0"/>
-              <a:t>2015/12/14</a:t>
+              <a:t>2015/12/19</a:t>
             </a:fld>
             <a:endParaRPr lang="zh-TW" altLang="en-US"/>
           </a:p>
@@ -2565,7 +2569,7 @@
           <a:p>
             <a:fld id="{083D84ED-982B-4771-B198-BFBDD5FED90A}" type="datetimeFigureOut">
               <a:rPr lang="zh-TW" altLang="en-US" smtClean="0"/>
-              <a:t>2015/12/14</a:t>
+              <a:t>2015/12/19</a:t>
             </a:fld>
             <a:endParaRPr lang="zh-TW" altLang="en-US"/>
           </a:p>
@@ -2970,44 +2974,35 @@
           <a:chExt cx="0" cy="0"/>
         </a:xfrm>
       </p:grpSpPr>
-      <p:sp>
-        <p:nvSpPr>
-          <p:cNvPr id="2" name="標題 1"/>
-          <p:cNvSpPr>
-            <a:spLocks noGrp="1"/>
-          </p:cNvSpPr>
-          <p:nvPr>
-            <p:ph type="ctrTitle"/>
-          </p:nvPr>
-        </p:nvSpPr>
-        <p:spPr/>
-        <p:txBody>
-          <a:bodyPr/>
-          <a:lstStyle/>
-          <a:p>
-            <a:endParaRPr lang="zh-TW" altLang="en-US"/>
-          </a:p>
-        </p:txBody>
-      </p:sp>
-      <p:sp>
-        <p:nvSpPr>
-          <p:cNvPr id="3" name="副標題 2"/>
-          <p:cNvSpPr>
-            <a:spLocks noGrp="1"/>
-          </p:cNvSpPr>
-          <p:nvPr>
-            <p:ph type="subTitle" idx="1"/>
-          </p:nvPr>
-        </p:nvSpPr>
-        <p:spPr/>
-        <p:txBody>
-          <a:bodyPr/>
-          <a:lstStyle/>
-          <a:p>
-            <a:endParaRPr lang="zh-TW" altLang="en-US"/>
-          </a:p>
-        </p:txBody>
-      </p:sp>
+      <p:pic>
+        <p:nvPicPr>
+          <p:cNvPr id="5" name="圖片 4"/>
+          <p:cNvPicPr>
+            <a:picLocks noChangeAspect="1"/>
+          </p:cNvPicPr>
+          <p:nvPr/>
+        </p:nvPicPr>
+        <p:blipFill rotWithShape="1">
+          <a:blip r:embed="rId2">
+            <a:extLst>
+              <a:ext uri="{28A0092B-C50C-407E-A947-70E740481C1C}">
+                <a14:useLocalDpi xmlns:a14="http://schemas.microsoft.com/office/drawing/2010/main" val="0"/>
+              </a:ext>
+            </a:extLst>
+          </a:blip>
+          <a:srcRect l="20803" r="33251" b="5651"/>
+          <a:stretch/>
+        </p:blipFill>
+        <p:spPr>
+          <a:xfrm>
+            <a:off x="3525794" y="543697"/>
+            <a:ext cx="4621427" cy="5338119"/>
+          </a:xfrm>
+          <a:prstGeom prst="rect">
+            <a:avLst/>
+          </a:prstGeom>
+        </p:spPr>
+      </p:pic>
     </p:spTree>
     <p:extLst>
       <p:ext uri="{BB962C8B-B14F-4D97-AF65-F5344CB8AC3E}">
@@ -3040,6 +3035,3083 @@
       </p:grpSpPr>
       <p:sp>
         <p:nvSpPr>
+          <p:cNvPr id="2" name="標題 1"/>
+          <p:cNvSpPr>
+            <a:spLocks noGrp="1"/>
+          </p:cNvSpPr>
+          <p:nvPr>
+            <p:ph type="title"/>
+          </p:nvPr>
+        </p:nvSpPr>
+        <p:spPr/>
+        <p:txBody>
+          <a:bodyPr/>
+          <a:lstStyle/>
+          <a:p>
+            <a:r>
+              <a:rPr lang="zh-TW" altLang="en-US" dirty="0"/>
+              <a:t>削</a:t>
+            </a:r>
+            <a:endParaRPr lang="zh-TW" altLang="en-US" dirty="0"/>
+          </a:p>
+        </p:txBody>
+      </p:sp>
+      <p:grpSp>
+        <p:nvGrpSpPr>
+          <p:cNvPr id="20" name="群組 19"/>
+          <p:cNvGrpSpPr/>
+          <p:nvPr/>
+        </p:nvGrpSpPr>
+        <p:grpSpPr>
+          <a:xfrm>
+            <a:off x="158984" y="1446116"/>
+            <a:ext cx="4340929" cy="2973859"/>
+            <a:chOff x="445312" y="1520006"/>
+            <a:chExt cx="4340929" cy="2973859"/>
+          </a:xfrm>
+        </p:grpSpPr>
+        <p:pic>
+          <p:nvPicPr>
+            <p:cNvPr id="9" name="圖片 8"/>
+            <p:cNvPicPr>
+              <a:picLocks noChangeAspect="1"/>
+            </p:cNvPicPr>
+            <p:nvPr/>
+          </p:nvPicPr>
+          <p:blipFill rotWithShape="1">
+            <a:blip r:embed="rId2">
+              <a:extLst>
+                <a:ext uri="{BEBA8EAE-BF5A-486C-A8C5-ECC9F3942E4B}">
+                  <a14:imgProps xmlns:a14="http://schemas.microsoft.com/office/drawing/2010/main">
+                    <a14:imgLayer r:embed="rId3">
+                      <a14:imgEffect>
+                        <a14:backgroundRemoval t="3318" b="100000" l="0" r="100000"/>
+                      </a14:imgEffect>
+                    </a14:imgLayer>
+                  </a14:imgProps>
+                </a:ext>
+              </a:extLst>
+            </a:blip>
+            <a:srcRect t="9543" r="7775"/>
+            <a:stretch/>
+          </p:blipFill>
+          <p:spPr>
+            <a:xfrm rot="2930679">
+              <a:off x="323403" y="2614447"/>
+              <a:ext cx="1818554" cy="1574736"/>
+            </a:xfrm>
+            <a:prstGeom prst="rect">
+              <a:avLst/>
+            </a:prstGeom>
+          </p:spPr>
+        </p:pic>
+        <p:sp>
+          <p:nvSpPr>
+            <p:cNvPr id="4" name="立方體 3"/>
+            <p:cNvSpPr/>
+            <p:nvPr/>
+          </p:nvSpPr>
+          <p:spPr>
+            <a:xfrm>
+              <a:off x="1232680" y="1520006"/>
+              <a:ext cx="2899719" cy="2973859"/>
+            </a:xfrm>
+            <a:prstGeom prst="cube">
+              <a:avLst/>
+            </a:prstGeom>
+          </p:spPr>
+          <p:style>
+            <a:lnRef idx="2">
+              <a:schemeClr val="accent1">
+                <a:shade val="50000"/>
+              </a:schemeClr>
+            </a:lnRef>
+            <a:fillRef idx="1">
+              <a:schemeClr val="accent1"/>
+            </a:fillRef>
+            <a:effectRef idx="0">
+              <a:schemeClr val="accent1"/>
+            </a:effectRef>
+            <a:fontRef idx="minor">
+              <a:schemeClr val="lt1"/>
+            </a:fontRef>
+          </p:style>
+          <p:txBody>
+            <a:bodyPr rtlCol="0" anchor="ctr"/>
+            <a:lstStyle/>
+            <a:p>
+              <a:pPr algn="ctr"/>
+              <a:endParaRPr lang="zh-TW" altLang="en-US"/>
+            </a:p>
+          </p:txBody>
+        </p:sp>
+        <p:pic>
+          <p:nvPicPr>
+            <p:cNvPr id="15" name="圖片 14"/>
+            <p:cNvPicPr>
+              <a:picLocks noChangeAspect="1"/>
+            </p:cNvPicPr>
+            <p:nvPr/>
+          </p:nvPicPr>
+          <p:blipFill rotWithShape="1">
+            <a:blip r:embed="rId2">
+              <a:extLst>
+                <a:ext uri="{BEBA8EAE-BF5A-486C-A8C5-ECC9F3942E4B}">
+                  <a14:imgProps xmlns:a14="http://schemas.microsoft.com/office/drawing/2010/main">
+                    <a14:imgLayer r:embed="rId3">
+                      <a14:imgEffect>
+                        <a14:backgroundRemoval t="3318" b="100000" l="0" r="100000"/>
+                      </a14:imgEffect>
+                    </a14:imgLayer>
+                  </a14:imgProps>
+                </a:ext>
+              </a:extLst>
+            </a:blip>
+            <a:srcRect t="18038" r="12380"/>
+            <a:stretch/>
+          </p:blipFill>
+          <p:spPr>
+            <a:xfrm rot="2930679" flipH="1" flipV="1">
+              <a:off x="3130022" y="2154284"/>
+              <a:ext cx="1814190" cy="1498249"/>
+            </a:xfrm>
+            <a:prstGeom prst="rect">
+              <a:avLst/>
+            </a:prstGeom>
+          </p:spPr>
+        </p:pic>
+        <p:sp>
+          <p:nvSpPr>
+            <p:cNvPr id="19" name="平行四邊形 18"/>
+            <p:cNvSpPr/>
+            <p:nvPr/>
+          </p:nvSpPr>
+          <p:spPr>
+            <a:xfrm rot="18888195">
+              <a:off x="2570506" y="2291395"/>
+              <a:ext cx="2238841" cy="1559622"/>
+            </a:xfrm>
+            <a:prstGeom prst="parallelogram">
+              <a:avLst>
+                <a:gd name="adj" fmla="val 98378"/>
+              </a:avLst>
+            </a:prstGeom>
+            <a:solidFill>
+              <a:srgbClr val="497DAB"/>
+            </a:solidFill>
+            <a:ln>
+              <a:noFill/>
+            </a:ln>
+          </p:spPr>
+          <p:style>
+            <a:lnRef idx="2">
+              <a:schemeClr val="accent1">
+                <a:shade val="50000"/>
+              </a:schemeClr>
+            </a:lnRef>
+            <a:fillRef idx="1">
+              <a:schemeClr val="accent1"/>
+            </a:fillRef>
+            <a:effectRef idx="0">
+              <a:schemeClr val="accent1"/>
+            </a:effectRef>
+            <a:fontRef idx="minor">
+              <a:schemeClr val="lt1"/>
+            </a:fontRef>
+          </p:style>
+          <p:txBody>
+            <a:bodyPr rtlCol="0" anchor="ctr"/>
+            <a:lstStyle/>
+            <a:p>
+              <a:pPr algn="ctr"/>
+              <a:endParaRPr lang="zh-TW" altLang="en-US"/>
+            </a:p>
+          </p:txBody>
+        </p:sp>
+      </p:grpSp>
+      <p:sp>
+        <p:nvSpPr>
+          <p:cNvPr id="21" name="圓角矩形 20"/>
+          <p:cNvSpPr/>
+          <p:nvPr/>
+        </p:nvSpPr>
+        <p:spPr>
+          <a:xfrm>
+            <a:off x="4493793" y="1105569"/>
+            <a:ext cx="914400" cy="527222"/>
+          </a:xfrm>
+          <a:prstGeom prst="roundRect">
+            <a:avLst/>
+          </a:prstGeom>
+          <a:solidFill>
+            <a:srgbClr val="FFC000"/>
+          </a:solidFill>
+        </p:spPr>
+        <p:style>
+          <a:lnRef idx="2">
+            <a:schemeClr val="accent1">
+              <a:shade val="50000"/>
+            </a:schemeClr>
+          </a:lnRef>
+          <a:fillRef idx="1">
+            <a:schemeClr val="accent1"/>
+          </a:fillRef>
+          <a:effectRef idx="0">
+            <a:schemeClr val="accent1"/>
+          </a:effectRef>
+          <a:fontRef idx="minor">
+            <a:schemeClr val="lt1"/>
+          </a:fontRef>
+        </p:style>
+        <p:txBody>
+          <a:bodyPr rtlCol="0" anchor="ctr"/>
+          <a:lstStyle/>
+          <a:p>
+            <a:pPr algn="ctr"/>
+            <a:r>
+              <a:rPr lang="zh-TW" altLang="en-US" dirty="0" smtClean="0"/>
+              <a:t>樹枝</a:t>
+            </a:r>
+            <a:endParaRPr lang="zh-TW" altLang="en-US" dirty="0"/>
+          </a:p>
+        </p:txBody>
+      </p:sp>
+      <p:sp>
+        <p:nvSpPr>
+          <p:cNvPr id="22" name="圓角矩形 21"/>
+          <p:cNvSpPr/>
+          <p:nvPr/>
+        </p:nvSpPr>
+        <p:spPr>
+          <a:xfrm>
+            <a:off x="6176042" y="1708192"/>
+            <a:ext cx="914400" cy="527222"/>
+          </a:xfrm>
+          <a:prstGeom prst="roundRect">
+            <a:avLst/>
+          </a:prstGeom>
+        </p:spPr>
+        <p:style>
+          <a:lnRef idx="2">
+            <a:schemeClr val="accent1">
+              <a:shade val="50000"/>
+            </a:schemeClr>
+          </a:lnRef>
+          <a:fillRef idx="1">
+            <a:schemeClr val="accent1"/>
+          </a:fillRef>
+          <a:effectRef idx="0">
+            <a:schemeClr val="accent1"/>
+          </a:effectRef>
+          <a:fontRef idx="minor">
+            <a:schemeClr val="lt1"/>
+          </a:fontRef>
+        </p:style>
+        <p:txBody>
+          <a:bodyPr rtlCol="0" anchor="ctr"/>
+          <a:lstStyle/>
+          <a:p>
+            <a:pPr algn="ctr"/>
+            <a:r>
+              <a:rPr lang="zh-TW" altLang="en-US" dirty="0" smtClean="0"/>
+              <a:t>樹</a:t>
+            </a:r>
+            <a:r>
+              <a:rPr lang="zh-TW" altLang="en-US" dirty="0"/>
+              <a:t>藤</a:t>
+            </a:r>
+          </a:p>
+        </p:txBody>
+      </p:sp>
+      <p:cxnSp>
+        <p:nvCxnSpPr>
+          <p:cNvPr id="23" name="直線單箭頭接點 22"/>
+          <p:cNvCxnSpPr>
+            <a:stCxn id="21" idx="3"/>
+            <a:endCxn id="22" idx="1"/>
+          </p:cNvCxnSpPr>
+          <p:nvPr/>
+        </p:nvCxnSpPr>
+        <p:spPr>
+          <a:xfrm>
+            <a:off x="5408193" y="1369180"/>
+            <a:ext cx="767849" cy="602623"/>
+          </a:xfrm>
+          <a:prstGeom prst="straightConnector1">
+            <a:avLst/>
+          </a:prstGeom>
+          <a:ln>
+            <a:tailEnd type="triangle"/>
+          </a:ln>
+        </p:spPr>
+        <p:style>
+          <a:lnRef idx="1">
+            <a:schemeClr val="accent1"/>
+          </a:lnRef>
+          <a:fillRef idx="0">
+            <a:schemeClr val="accent1"/>
+          </a:fillRef>
+          <a:effectRef idx="0">
+            <a:schemeClr val="accent1"/>
+          </a:effectRef>
+          <a:fontRef idx="minor">
+            <a:schemeClr val="tx1"/>
+          </a:fontRef>
+        </p:style>
+      </p:cxnSp>
+      <p:sp>
+        <p:nvSpPr>
+          <p:cNvPr id="24" name="圓角矩形 23"/>
+          <p:cNvSpPr/>
+          <p:nvPr/>
+        </p:nvSpPr>
+        <p:spPr>
+          <a:xfrm>
+            <a:off x="7738164" y="1235052"/>
+            <a:ext cx="914400" cy="527222"/>
+          </a:xfrm>
+          <a:prstGeom prst="roundRect">
+            <a:avLst/>
+          </a:prstGeom>
+        </p:spPr>
+        <p:style>
+          <a:lnRef idx="2">
+            <a:schemeClr val="accent1">
+              <a:shade val="50000"/>
+            </a:schemeClr>
+          </a:lnRef>
+          <a:fillRef idx="1">
+            <a:schemeClr val="accent1"/>
+          </a:fillRef>
+          <a:effectRef idx="0">
+            <a:schemeClr val="accent1"/>
+          </a:effectRef>
+          <a:fontRef idx="minor">
+            <a:schemeClr val="lt1"/>
+          </a:fontRef>
+        </p:style>
+        <p:txBody>
+          <a:bodyPr rtlCol="0" anchor="ctr"/>
+          <a:lstStyle/>
+          <a:p>
+            <a:pPr algn="ctr"/>
+            <a:r>
+              <a:rPr lang="zh-TW" altLang="en-US" dirty="0" smtClean="0"/>
+              <a:t>網</a:t>
+            </a:r>
+            <a:endParaRPr lang="zh-TW" altLang="en-US" dirty="0"/>
+          </a:p>
+        </p:txBody>
+      </p:sp>
+      <p:cxnSp>
+        <p:nvCxnSpPr>
+          <p:cNvPr id="25" name="直線單箭頭接點 24"/>
+          <p:cNvCxnSpPr>
+            <a:stCxn id="22" idx="3"/>
+            <a:endCxn id="24" idx="1"/>
+          </p:cNvCxnSpPr>
+          <p:nvPr/>
+        </p:nvCxnSpPr>
+        <p:spPr>
+          <a:xfrm flipV="1">
+            <a:off x="7090442" y="1498663"/>
+            <a:ext cx="647722" cy="473140"/>
+          </a:xfrm>
+          <a:prstGeom prst="straightConnector1">
+            <a:avLst/>
+          </a:prstGeom>
+          <a:ln>
+            <a:tailEnd type="triangle"/>
+          </a:ln>
+        </p:spPr>
+        <p:style>
+          <a:lnRef idx="1">
+            <a:schemeClr val="accent1"/>
+          </a:lnRef>
+          <a:fillRef idx="0">
+            <a:schemeClr val="accent1"/>
+          </a:fillRef>
+          <a:effectRef idx="0">
+            <a:schemeClr val="accent1"/>
+          </a:effectRef>
+          <a:fontRef idx="minor">
+            <a:schemeClr val="tx1"/>
+          </a:fontRef>
+        </p:style>
+      </p:cxnSp>
+      <p:cxnSp>
+        <p:nvCxnSpPr>
+          <p:cNvPr id="26" name="直線單箭頭接點 25"/>
+          <p:cNvCxnSpPr>
+            <a:stCxn id="21" idx="3"/>
+            <a:endCxn id="27" idx="1"/>
+          </p:cNvCxnSpPr>
+          <p:nvPr/>
+        </p:nvCxnSpPr>
+        <p:spPr>
+          <a:xfrm flipV="1">
+            <a:off x="5408193" y="854651"/>
+            <a:ext cx="767849" cy="514529"/>
+          </a:xfrm>
+          <a:prstGeom prst="straightConnector1">
+            <a:avLst/>
+          </a:prstGeom>
+          <a:ln>
+            <a:tailEnd type="triangle"/>
+          </a:ln>
+        </p:spPr>
+        <p:style>
+          <a:lnRef idx="1">
+            <a:schemeClr val="accent1"/>
+          </a:lnRef>
+          <a:fillRef idx="0">
+            <a:schemeClr val="accent1"/>
+          </a:fillRef>
+          <a:effectRef idx="0">
+            <a:schemeClr val="accent1"/>
+          </a:effectRef>
+          <a:fontRef idx="minor">
+            <a:schemeClr val="tx1"/>
+          </a:fontRef>
+        </p:style>
+      </p:cxnSp>
+      <p:sp>
+        <p:nvSpPr>
+          <p:cNvPr id="27" name="圓角矩形 26"/>
+          <p:cNvSpPr/>
+          <p:nvPr/>
+        </p:nvSpPr>
+        <p:spPr>
+          <a:xfrm>
+            <a:off x="6176042" y="591040"/>
+            <a:ext cx="914400" cy="527222"/>
+          </a:xfrm>
+          <a:prstGeom prst="roundRect">
+            <a:avLst/>
+          </a:prstGeom>
+        </p:spPr>
+        <p:style>
+          <a:lnRef idx="2">
+            <a:schemeClr val="accent1">
+              <a:shade val="50000"/>
+            </a:schemeClr>
+          </a:lnRef>
+          <a:fillRef idx="1">
+            <a:schemeClr val="accent1"/>
+          </a:fillRef>
+          <a:effectRef idx="0">
+            <a:schemeClr val="accent1"/>
+          </a:effectRef>
+          <a:fontRef idx="minor">
+            <a:schemeClr val="lt1"/>
+          </a:fontRef>
+        </p:style>
+        <p:txBody>
+          <a:bodyPr rtlCol="0" anchor="ctr"/>
+          <a:lstStyle/>
+          <a:p>
+            <a:pPr algn="ctr"/>
+            <a:r>
+              <a:rPr lang="zh-TW" altLang="en-US" dirty="0" smtClean="0"/>
+              <a:t>木棍</a:t>
+            </a:r>
+            <a:endParaRPr lang="zh-TW" altLang="en-US" dirty="0"/>
+          </a:p>
+        </p:txBody>
+      </p:sp>
+      <p:sp>
+        <p:nvSpPr>
+          <p:cNvPr id="28" name="雲朵形 27"/>
+          <p:cNvSpPr/>
+          <p:nvPr/>
+        </p:nvSpPr>
+        <p:spPr>
+          <a:xfrm>
+            <a:off x="9095026" y="1117413"/>
+            <a:ext cx="988542" cy="766120"/>
+          </a:xfrm>
+          <a:prstGeom prst="cloud">
+            <a:avLst/>
+          </a:prstGeom>
+        </p:spPr>
+        <p:style>
+          <a:lnRef idx="2">
+            <a:schemeClr val="accent6">
+              <a:shade val="50000"/>
+            </a:schemeClr>
+          </a:lnRef>
+          <a:fillRef idx="1">
+            <a:schemeClr val="accent6"/>
+          </a:fillRef>
+          <a:effectRef idx="0">
+            <a:schemeClr val="accent6"/>
+          </a:effectRef>
+          <a:fontRef idx="minor">
+            <a:schemeClr val="lt1"/>
+          </a:fontRef>
+        </p:style>
+        <p:txBody>
+          <a:bodyPr rtlCol="0" anchor="ctr"/>
+          <a:lstStyle/>
+          <a:p>
+            <a:pPr algn="ctr"/>
+            <a:r>
+              <a:rPr lang="zh-TW" altLang="en-US" dirty="0" smtClean="0"/>
+              <a:t>載重</a:t>
+            </a:r>
+            <a:endParaRPr lang="en-US" altLang="zh-TW" dirty="0" smtClean="0"/>
+          </a:p>
+        </p:txBody>
+      </p:sp>
+      <p:cxnSp>
+        <p:nvCxnSpPr>
+          <p:cNvPr id="29" name="直線單箭頭接點 28"/>
+          <p:cNvCxnSpPr>
+            <a:stCxn id="24" idx="3"/>
+            <a:endCxn id="28" idx="2"/>
+          </p:cNvCxnSpPr>
+          <p:nvPr/>
+        </p:nvCxnSpPr>
+        <p:spPr>
+          <a:xfrm>
+            <a:off x="8652564" y="1498663"/>
+            <a:ext cx="445528" cy="1810"/>
+          </a:xfrm>
+          <a:prstGeom prst="straightConnector1">
+            <a:avLst/>
+          </a:prstGeom>
+          <a:ln>
+            <a:tailEnd type="triangle"/>
+          </a:ln>
+        </p:spPr>
+        <p:style>
+          <a:lnRef idx="1">
+            <a:schemeClr val="accent1"/>
+          </a:lnRef>
+          <a:fillRef idx="0">
+            <a:schemeClr val="accent1"/>
+          </a:fillRef>
+          <a:effectRef idx="0">
+            <a:schemeClr val="accent1"/>
+          </a:effectRef>
+          <a:fontRef idx="minor">
+            <a:schemeClr val="tx1"/>
+          </a:fontRef>
+        </p:style>
+      </p:cxnSp>
+      <p:sp>
+        <p:nvSpPr>
+          <p:cNvPr id="30" name="圓角矩形 29"/>
+          <p:cNvSpPr/>
+          <p:nvPr/>
+        </p:nvSpPr>
+        <p:spPr>
+          <a:xfrm>
+            <a:off x="7738164" y="2397765"/>
+            <a:ext cx="914400" cy="527222"/>
+          </a:xfrm>
+          <a:prstGeom prst="roundRect">
+            <a:avLst/>
+          </a:prstGeom>
+        </p:spPr>
+        <p:style>
+          <a:lnRef idx="2">
+            <a:schemeClr val="accent1">
+              <a:shade val="50000"/>
+            </a:schemeClr>
+          </a:lnRef>
+          <a:fillRef idx="1">
+            <a:schemeClr val="accent1"/>
+          </a:fillRef>
+          <a:effectRef idx="0">
+            <a:schemeClr val="accent1"/>
+          </a:effectRef>
+          <a:fontRef idx="minor">
+            <a:schemeClr val="lt1"/>
+          </a:fontRef>
+        </p:style>
+        <p:txBody>
+          <a:bodyPr rtlCol="0" anchor="ctr"/>
+          <a:lstStyle/>
+          <a:p>
+            <a:pPr algn="ctr"/>
+            <a:r>
+              <a:rPr lang="zh-TW" altLang="en-US" dirty="0" smtClean="0"/>
+              <a:t>草</a:t>
+            </a:r>
+            <a:r>
+              <a:rPr lang="zh-TW" altLang="en-US" dirty="0"/>
+              <a:t>屋</a:t>
+            </a:r>
+          </a:p>
+        </p:txBody>
+      </p:sp>
+      <p:sp>
+        <p:nvSpPr>
+          <p:cNvPr id="31" name="雲朵形 30"/>
+          <p:cNvSpPr/>
+          <p:nvPr/>
+        </p:nvSpPr>
+        <p:spPr>
+          <a:xfrm>
+            <a:off x="9095026" y="2289557"/>
+            <a:ext cx="988542" cy="766120"/>
+          </a:xfrm>
+          <a:prstGeom prst="cloud">
+            <a:avLst/>
+          </a:prstGeom>
+        </p:spPr>
+        <p:style>
+          <a:lnRef idx="2">
+            <a:schemeClr val="accent6">
+              <a:shade val="50000"/>
+            </a:schemeClr>
+          </a:lnRef>
+          <a:fillRef idx="1">
+            <a:schemeClr val="accent6"/>
+          </a:fillRef>
+          <a:effectRef idx="0">
+            <a:schemeClr val="accent6"/>
+          </a:effectRef>
+          <a:fontRef idx="minor">
+            <a:schemeClr val="lt1"/>
+          </a:fontRef>
+        </p:style>
+        <p:txBody>
+          <a:bodyPr rtlCol="0" anchor="ctr"/>
+          <a:lstStyle/>
+          <a:p>
+            <a:pPr algn="ctr"/>
+            <a:r>
+              <a:rPr lang="zh-TW" altLang="en-US" dirty="0" smtClean="0"/>
+              <a:t>人員</a:t>
+            </a:r>
+            <a:endParaRPr lang="en-US" altLang="zh-TW" dirty="0" smtClean="0"/>
+          </a:p>
+        </p:txBody>
+      </p:sp>
+      <p:cxnSp>
+        <p:nvCxnSpPr>
+          <p:cNvPr id="32" name="直線單箭頭接點 31"/>
+          <p:cNvCxnSpPr>
+            <a:stCxn id="30" idx="3"/>
+            <a:endCxn id="31" idx="2"/>
+          </p:cNvCxnSpPr>
+          <p:nvPr/>
+        </p:nvCxnSpPr>
+        <p:spPr>
+          <a:xfrm>
+            <a:off x="8652564" y="2661376"/>
+            <a:ext cx="445528" cy="11241"/>
+          </a:xfrm>
+          <a:prstGeom prst="straightConnector1">
+            <a:avLst/>
+          </a:prstGeom>
+          <a:ln>
+            <a:tailEnd type="triangle"/>
+          </a:ln>
+        </p:spPr>
+        <p:style>
+          <a:lnRef idx="1">
+            <a:schemeClr val="accent1"/>
+          </a:lnRef>
+          <a:fillRef idx="0">
+            <a:schemeClr val="accent1"/>
+          </a:fillRef>
+          <a:effectRef idx="0">
+            <a:schemeClr val="accent1"/>
+          </a:effectRef>
+          <a:fontRef idx="minor">
+            <a:schemeClr val="tx1"/>
+          </a:fontRef>
+        </p:style>
+      </p:cxnSp>
+      <p:cxnSp>
+        <p:nvCxnSpPr>
+          <p:cNvPr id="33" name="直線單箭頭接點 32"/>
+          <p:cNvCxnSpPr>
+            <a:stCxn id="22" idx="3"/>
+            <a:endCxn id="30" idx="1"/>
+          </p:cNvCxnSpPr>
+          <p:nvPr/>
+        </p:nvCxnSpPr>
+        <p:spPr>
+          <a:xfrm>
+            <a:off x="7090442" y="1971803"/>
+            <a:ext cx="647722" cy="689573"/>
+          </a:xfrm>
+          <a:prstGeom prst="straightConnector1">
+            <a:avLst/>
+          </a:prstGeom>
+          <a:ln>
+            <a:tailEnd type="triangle"/>
+          </a:ln>
+        </p:spPr>
+        <p:style>
+          <a:lnRef idx="1">
+            <a:schemeClr val="accent1"/>
+          </a:lnRef>
+          <a:fillRef idx="0">
+            <a:schemeClr val="accent1"/>
+          </a:fillRef>
+          <a:effectRef idx="0">
+            <a:schemeClr val="accent1"/>
+          </a:effectRef>
+          <a:fontRef idx="minor">
+            <a:schemeClr val="tx1"/>
+          </a:fontRef>
+        </p:style>
+      </p:cxnSp>
+    </p:spTree>
+    <p:extLst>
+      <p:ext uri="{BB962C8B-B14F-4D97-AF65-F5344CB8AC3E}">
+        <p14:creationId xmlns:p14="http://schemas.microsoft.com/office/powerpoint/2010/main" val="3606270321"/>
+      </p:ext>
+    </p:extLst>
+  </p:cSld>
+  <p:clrMapOvr>
+    <a:masterClrMapping/>
+  </p:clrMapOvr>
+</p:sld>
+</file>
+
+<file path=ppt/slides/slide3.xml><?xml version="1.0" encoding="utf-8"?>
+<p:sld xmlns:a="http://schemas.openxmlformats.org/drawingml/2006/main" xmlns:r="http://schemas.openxmlformats.org/officeDocument/2006/relationships" xmlns:p="http://schemas.openxmlformats.org/presentationml/2006/main">
+  <p:cSld>
+    <p:spTree>
+      <p:nvGrpSpPr>
+        <p:cNvPr id="1" name=""/>
+        <p:cNvGrpSpPr/>
+        <p:nvPr/>
+      </p:nvGrpSpPr>
+      <p:grpSpPr>
+        <a:xfrm>
+          <a:off x="0" y="0"/>
+          <a:ext cx="0" cy="0"/>
+          <a:chOff x="0" y="0"/>
+          <a:chExt cx="0" cy="0"/>
+        </a:xfrm>
+      </p:grpSpPr>
+      <p:sp>
+        <p:nvSpPr>
+          <p:cNvPr id="2" name="標題 1"/>
+          <p:cNvSpPr>
+            <a:spLocks noGrp="1"/>
+          </p:cNvSpPr>
+          <p:nvPr>
+            <p:ph type="title"/>
+          </p:nvPr>
+        </p:nvSpPr>
+        <p:spPr/>
+        <p:txBody>
+          <a:bodyPr/>
+          <a:lstStyle/>
+          <a:p>
+            <a:r>
+              <a:rPr lang="zh-TW" altLang="en-US" dirty="0" smtClean="0"/>
+              <a:t>切</a:t>
+            </a:r>
+            <a:endParaRPr lang="zh-TW" altLang="en-US" dirty="0"/>
+          </a:p>
+        </p:txBody>
+      </p:sp>
+      <p:grpSp>
+        <p:nvGrpSpPr>
+          <p:cNvPr id="15" name="群組 14"/>
+          <p:cNvGrpSpPr/>
+          <p:nvPr/>
+        </p:nvGrpSpPr>
+        <p:grpSpPr>
+          <a:xfrm>
+            <a:off x="0" y="1690688"/>
+            <a:ext cx="3801358" cy="3419277"/>
+            <a:chOff x="1307477" y="2552408"/>
+            <a:chExt cx="3801358" cy="3419277"/>
+          </a:xfrm>
+        </p:grpSpPr>
+        <p:sp>
+          <p:nvSpPr>
+            <p:cNvPr id="11" name="立方體 10"/>
+            <p:cNvSpPr/>
+            <p:nvPr/>
+          </p:nvSpPr>
+          <p:spPr>
+            <a:xfrm>
+              <a:off x="1860751" y="2997826"/>
+              <a:ext cx="2899719" cy="2973859"/>
+            </a:xfrm>
+            <a:prstGeom prst="cube">
+              <a:avLst/>
+            </a:prstGeom>
+          </p:spPr>
+          <p:style>
+            <a:lnRef idx="2">
+              <a:schemeClr val="accent1">
+                <a:shade val="50000"/>
+              </a:schemeClr>
+            </a:lnRef>
+            <a:fillRef idx="1">
+              <a:schemeClr val="accent1"/>
+            </a:fillRef>
+            <a:effectRef idx="0">
+              <a:schemeClr val="accent1"/>
+            </a:effectRef>
+            <a:fontRef idx="minor">
+              <a:schemeClr val="lt1"/>
+            </a:fontRef>
+          </p:style>
+          <p:txBody>
+            <a:bodyPr rtlCol="0" anchor="ctr"/>
+            <a:lstStyle/>
+            <a:p>
+              <a:pPr algn="ctr"/>
+              <a:endParaRPr lang="zh-TW" altLang="en-US"/>
+            </a:p>
+          </p:txBody>
+        </p:sp>
+        <p:pic>
+          <p:nvPicPr>
+            <p:cNvPr id="3074" name="Picture 2" descr="http://www.nanjingblade.com/uploads/image/120708011637.jpg"/>
+            <p:cNvPicPr>
+              <a:picLocks noChangeAspect="1" noChangeArrowheads="1"/>
+            </p:cNvPicPr>
+            <p:nvPr/>
+          </p:nvPicPr>
+          <p:blipFill>
+            <a:blip r:embed="rId2">
+              <a:extLst>
+                <a:ext uri="{BEBA8EAE-BF5A-486C-A8C5-ECC9F3942E4B}">
+                  <a14:imgProps xmlns:a14="http://schemas.microsoft.com/office/drawing/2010/main">
+                    <a14:imgLayer r:embed="rId3">
+                      <a14:imgEffect>
+                        <a14:backgroundRemoval t="8125" b="97500" l="8667" r="96500"/>
+                      </a14:imgEffect>
+                    </a14:imgLayer>
+                  </a14:imgProps>
+                </a:ext>
+                <a:ext uri="{28A0092B-C50C-407E-A947-70E740481C1C}">
+                  <a14:useLocalDpi xmlns:a14="http://schemas.microsoft.com/office/drawing/2010/main" val="0"/>
+                </a:ext>
+              </a:extLst>
+            </a:blip>
+            <a:srcRect/>
+            <a:stretch>
+              <a:fillRect/>
+            </a:stretch>
+          </p:blipFill>
+          <p:spPr bwMode="auto">
+            <a:xfrm rot="21379044">
+              <a:off x="1307477" y="2552408"/>
+              <a:ext cx="3801358" cy="1536326"/>
+            </a:xfrm>
+            <a:prstGeom prst="rect">
+              <a:avLst/>
+            </a:prstGeom>
+            <a:noFill/>
+            <a:extLst>
+              <a:ext uri="{909E8E84-426E-40DD-AFC4-6F175D3DCCD1}">
+                <a14:hiddenFill xmlns:a14="http://schemas.microsoft.com/office/drawing/2010/main">
+                  <a:solidFill>
+                    <a:srgbClr val="FFFFFF"/>
+                  </a:solidFill>
+                </a14:hiddenFill>
+              </a:ext>
+            </a:extLst>
+          </p:spPr>
+        </p:pic>
+        <p:sp>
+          <p:nvSpPr>
+            <p:cNvPr id="14" name="橢圓 13"/>
+            <p:cNvSpPr/>
+            <p:nvPr/>
+          </p:nvSpPr>
+          <p:spPr>
+            <a:xfrm>
+              <a:off x="2784137" y="2975361"/>
+              <a:ext cx="1052945" cy="535709"/>
+            </a:xfrm>
+            <a:prstGeom prst="ellipse">
+              <a:avLst/>
+            </a:prstGeom>
+            <a:gradFill flip="none" rotWithShape="1">
+              <a:gsLst>
+                <a:gs pos="0">
+                  <a:schemeClr val="accent1">
+                    <a:tint val="66000"/>
+                    <a:satMod val="160000"/>
+                  </a:schemeClr>
+                </a:gs>
+                <a:gs pos="50000">
+                  <a:schemeClr val="accent1">
+                    <a:tint val="44500"/>
+                    <a:satMod val="160000"/>
+                  </a:schemeClr>
+                </a:gs>
+                <a:gs pos="100000">
+                  <a:schemeClr val="accent1">
+                    <a:tint val="23500"/>
+                    <a:satMod val="160000"/>
+                  </a:schemeClr>
+                </a:gs>
+              </a:gsLst>
+              <a:path path="circle">
+                <a:fillToRect l="50000" t="50000" r="50000" b="50000"/>
+              </a:path>
+              <a:tileRect/>
+            </a:gradFill>
+          </p:spPr>
+          <p:style>
+            <a:lnRef idx="2">
+              <a:schemeClr val="accent1">
+                <a:shade val="50000"/>
+              </a:schemeClr>
+            </a:lnRef>
+            <a:fillRef idx="1">
+              <a:schemeClr val="accent1"/>
+            </a:fillRef>
+            <a:effectRef idx="0">
+              <a:schemeClr val="accent1"/>
+            </a:effectRef>
+            <a:fontRef idx="minor">
+              <a:schemeClr val="lt1"/>
+            </a:fontRef>
+          </p:style>
+          <p:txBody>
+            <a:bodyPr rtlCol="0" anchor="ctr"/>
+            <a:lstStyle/>
+            <a:p>
+              <a:pPr algn="ctr"/>
+              <a:endParaRPr lang="zh-TW" altLang="en-US"/>
+            </a:p>
+          </p:txBody>
+        </p:sp>
+      </p:grpSp>
+      <p:sp>
+        <p:nvSpPr>
+          <p:cNvPr id="17" name="圓角矩形 16"/>
+          <p:cNvSpPr/>
+          <p:nvPr/>
+        </p:nvSpPr>
+        <p:spPr>
+          <a:xfrm>
+            <a:off x="3988260" y="3520505"/>
+            <a:ext cx="914400" cy="527222"/>
+          </a:xfrm>
+          <a:prstGeom prst="roundRect">
+            <a:avLst/>
+          </a:prstGeom>
+        </p:spPr>
+        <p:style>
+          <a:lnRef idx="2">
+            <a:schemeClr val="accent4">
+              <a:shade val="50000"/>
+            </a:schemeClr>
+          </a:lnRef>
+          <a:fillRef idx="1">
+            <a:schemeClr val="accent4"/>
+          </a:fillRef>
+          <a:effectRef idx="0">
+            <a:schemeClr val="accent4"/>
+          </a:effectRef>
+          <a:fontRef idx="minor">
+            <a:schemeClr val="lt1"/>
+          </a:fontRef>
+        </p:style>
+        <p:txBody>
+          <a:bodyPr rtlCol="0" anchor="ctr"/>
+          <a:lstStyle/>
+          <a:p>
+            <a:pPr algn="ctr"/>
+            <a:r>
+              <a:rPr lang="zh-TW" altLang="en-US" dirty="0" smtClean="0"/>
+              <a:t>木棍</a:t>
+            </a:r>
+            <a:endParaRPr lang="zh-TW" altLang="en-US" dirty="0"/>
+          </a:p>
+        </p:txBody>
+      </p:sp>
+      <p:sp>
+        <p:nvSpPr>
+          <p:cNvPr id="18" name="圓角矩形 17"/>
+          <p:cNvSpPr/>
+          <p:nvPr/>
+        </p:nvSpPr>
+        <p:spPr>
+          <a:xfrm>
+            <a:off x="5570043" y="4043783"/>
+            <a:ext cx="914400" cy="527222"/>
+          </a:xfrm>
+          <a:prstGeom prst="roundRect">
+            <a:avLst/>
+          </a:prstGeom>
+        </p:spPr>
+        <p:style>
+          <a:lnRef idx="2">
+            <a:schemeClr val="accent1">
+              <a:shade val="50000"/>
+            </a:schemeClr>
+          </a:lnRef>
+          <a:fillRef idx="1">
+            <a:schemeClr val="accent1"/>
+          </a:fillRef>
+          <a:effectRef idx="0">
+            <a:schemeClr val="accent1"/>
+          </a:effectRef>
+          <a:fontRef idx="minor">
+            <a:schemeClr val="lt1"/>
+          </a:fontRef>
+        </p:style>
+        <p:txBody>
+          <a:bodyPr rtlCol="0" anchor="ctr"/>
+          <a:lstStyle/>
+          <a:p>
+            <a:pPr algn="ctr"/>
+            <a:r>
+              <a:rPr lang="zh-TW" altLang="en-US" dirty="0" smtClean="0"/>
+              <a:t>木條</a:t>
+            </a:r>
+            <a:endParaRPr lang="zh-TW" altLang="en-US" dirty="0"/>
+          </a:p>
+        </p:txBody>
+      </p:sp>
+      <p:sp>
+        <p:nvSpPr>
+          <p:cNvPr id="19" name="圓角矩形 18"/>
+          <p:cNvSpPr/>
+          <p:nvPr/>
+        </p:nvSpPr>
+        <p:spPr>
+          <a:xfrm>
+            <a:off x="5570043" y="2967943"/>
+            <a:ext cx="914400" cy="527222"/>
+          </a:xfrm>
+          <a:prstGeom prst="roundRect">
+            <a:avLst/>
+          </a:prstGeom>
+        </p:spPr>
+        <p:style>
+          <a:lnRef idx="2">
+            <a:schemeClr val="accent1">
+              <a:shade val="50000"/>
+            </a:schemeClr>
+          </a:lnRef>
+          <a:fillRef idx="1">
+            <a:schemeClr val="accent1"/>
+          </a:fillRef>
+          <a:effectRef idx="0">
+            <a:schemeClr val="accent1"/>
+          </a:effectRef>
+          <a:fontRef idx="minor">
+            <a:schemeClr val="lt1"/>
+          </a:fontRef>
+        </p:style>
+        <p:txBody>
+          <a:bodyPr rtlCol="0" anchor="ctr"/>
+          <a:lstStyle/>
+          <a:p>
+            <a:pPr algn="ctr"/>
+            <a:r>
+              <a:rPr lang="zh-TW" altLang="en-US" dirty="0" smtClean="0"/>
+              <a:t>木棒</a:t>
+            </a:r>
+            <a:endParaRPr lang="zh-TW" altLang="en-US" dirty="0"/>
+          </a:p>
+        </p:txBody>
+      </p:sp>
+      <p:sp>
+        <p:nvSpPr>
+          <p:cNvPr id="22" name="圓角矩形 21"/>
+          <p:cNvSpPr/>
+          <p:nvPr/>
+        </p:nvSpPr>
+        <p:spPr>
+          <a:xfrm>
+            <a:off x="6900738" y="4043783"/>
+            <a:ext cx="914400" cy="527222"/>
+          </a:xfrm>
+          <a:prstGeom prst="roundRect">
+            <a:avLst/>
+          </a:prstGeom>
+        </p:spPr>
+        <p:style>
+          <a:lnRef idx="2">
+            <a:schemeClr val="accent1">
+              <a:shade val="50000"/>
+            </a:schemeClr>
+          </a:lnRef>
+          <a:fillRef idx="1">
+            <a:schemeClr val="accent1"/>
+          </a:fillRef>
+          <a:effectRef idx="0">
+            <a:schemeClr val="accent1"/>
+          </a:effectRef>
+          <a:fontRef idx="minor">
+            <a:schemeClr val="lt1"/>
+          </a:fontRef>
+        </p:style>
+        <p:txBody>
+          <a:bodyPr rtlCol="0" anchor="ctr"/>
+          <a:lstStyle/>
+          <a:p>
+            <a:pPr algn="ctr"/>
+            <a:r>
+              <a:rPr lang="zh-TW" altLang="en-US" dirty="0" smtClean="0"/>
+              <a:t>木盾</a:t>
+            </a:r>
+            <a:endParaRPr lang="zh-TW" altLang="en-US" dirty="0"/>
+          </a:p>
+        </p:txBody>
+      </p:sp>
+      <p:cxnSp>
+        <p:nvCxnSpPr>
+          <p:cNvPr id="23" name="直線單箭頭接點 22"/>
+          <p:cNvCxnSpPr>
+            <a:stCxn id="18" idx="3"/>
+            <a:endCxn id="22" idx="1"/>
+          </p:cNvCxnSpPr>
+          <p:nvPr/>
+        </p:nvCxnSpPr>
+        <p:spPr>
+          <a:xfrm>
+            <a:off x="6484443" y="4307394"/>
+            <a:ext cx="416295" cy="0"/>
+          </a:xfrm>
+          <a:prstGeom prst="straightConnector1">
+            <a:avLst/>
+          </a:prstGeom>
+          <a:ln>
+            <a:tailEnd type="triangle"/>
+          </a:ln>
+        </p:spPr>
+        <p:style>
+          <a:lnRef idx="1">
+            <a:schemeClr val="accent1"/>
+          </a:lnRef>
+          <a:fillRef idx="0">
+            <a:schemeClr val="accent1"/>
+          </a:fillRef>
+          <a:effectRef idx="0">
+            <a:schemeClr val="accent1"/>
+          </a:effectRef>
+          <a:fontRef idx="minor">
+            <a:schemeClr val="tx1"/>
+          </a:fontRef>
+        </p:style>
+      </p:cxnSp>
+      <p:sp>
+        <p:nvSpPr>
+          <p:cNvPr id="26" name="雲朵形 25"/>
+          <p:cNvSpPr/>
+          <p:nvPr/>
+        </p:nvSpPr>
+        <p:spPr>
+          <a:xfrm>
+            <a:off x="8235505" y="3924334"/>
+            <a:ext cx="988542" cy="766120"/>
+          </a:xfrm>
+          <a:prstGeom prst="cloud">
+            <a:avLst/>
+          </a:prstGeom>
+        </p:spPr>
+        <p:style>
+          <a:lnRef idx="2">
+            <a:schemeClr val="accent6">
+              <a:shade val="50000"/>
+            </a:schemeClr>
+          </a:lnRef>
+          <a:fillRef idx="1">
+            <a:schemeClr val="accent6"/>
+          </a:fillRef>
+          <a:effectRef idx="0">
+            <a:schemeClr val="accent6"/>
+          </a:effectRef>
+          <a:fontRef idx="minor">
+            <a:schemeClr val="lt1"/>
+          </a:fontRef>
+        </p:style>
+        <p:txBody>
+          <a:bodyPr rtlCol="0" anchor="ctr"/>
+          <a:lstStyle/>
+          <a:p>
+            <a:pPr algn="ctr"/>
+            <a:r>
+              <a:rPr lang="zh-TW" altLang="en-US" dirty="0" smtClean="0"/>
+              <a:t>防禦</a:t>
+            </a:r>
+            <a:endParaRPr lang="en-US" altLang="zh-TW" dirty="0" smtClean="0"/>
+          </a:p>
+        </p:txBody>
+      </p:sp>
+      <p:cxnSp>
+        <p:nvCxnSpPr>
+          <p:cNvPr id="27" name="直線單箭頭接點 26"/>
+          <p:cNvCxnSpPr>
+            <a:stCxn id="22" idx="3"/>
+            <a:endCxn id="26" idx="2"/>
+          </p:cNvCxnSpPr>
+          <p:nvPr/>
+        </p:nvCxnSpPr>
+        <p:spPr>
+          <a:xfrm>
+            <a:off x="7815138" y="4307394"/>
+            <a:ext cx="423433" cy="0"/>
+          </a:xfrm>
+          <a:prstGeom prst="straightConnector1">
+            <a:avLst/>
+          </a:prstGeom>
+          <a:ln>
+            <a:tailEnd type="triangle"/>
+          </a:ln>
+        </p:spPr>
+        <p:style>
+          <a:lnRef idx="1">
+            <a:schemeClr val="accent1"/>
+          </a:lnRef>
+          <a:fillRef idx="0">
+            <a:schemeClr val="accent1"/>
+          </a:fillRef>
+          <a:effectRef idx="0">
+            <a:schemeClr val="accent1"/>
+          </a:effectRef>
+          <a:fontRef idx="minor">
+            <a:schemeClr val="tx1"/>
+          </a:fontRef>
+        </p:style>
+      </p:cxnSp>
+      <p:sp>
+        <p:nvSpPr>
+          <p:cNvPr id="28" name="圓角矩形 27"/>
+          <p:cNvSpPr/>
+          <p:nvPr/>
+        </p:nvSpPr>
+        <p:spPr>
+          <a:xfrm>
+            <a:off x="6900738" y="5263785"/>
+            <a:ext cx="914400" cy="527222"/>
+          </a:xfrm>
+          <a:prstGeom prst="roundRect">
+            <a:avLst/>
+          </a:prstGeom>
+        </p:spPr>
+        <p:style>
+          <a:lnRef idx="2">
+            <a:schemeClr val="accent4">
+              <a:shade val="50000"/>
+            </a:schemeClr>
+          </a:lnRef>
+          <a:fillRef idx="1">
+            <a:schemeClr val="accent4"/>
+          </a:fillRef>
+          <a:effectRef idx="0">
+            <a:schemeClr val="accent4"/>
+          </a:effectRef>
+          <a:fontRef idx="minor">
+            <a:schemeClr val="lt1"/>
+          </a:fontRef>
+        </p:style>
+        <p:txBody>
+          <a:bodyPr rtlCol="0" anchor="ctr"/>
+          <a:lstStyle/>
+          <a:p>
+            <a:pPr algn="ctr"/>
+            <a:r>
+              <a:rPr lang="zh-TW" altLang="en-US" dirty="0" smtClean="0"/>
+              <a:t>樹</a:t>
+            </a:r>
+            <a:r>
+              <a:rPr lang="zh-TW" altLang="en-US" dirty="0"/>
+              <a:t>藤</a:t>
+            </a:r>
+          </a:p>
+        </p:txBody>
+      </p:sp>
+      <p:cxnSp>
+        <p:nvCxnSpPr>
+          <p:cNvPr id="45" name="直線單箭頭接點 44"/>
+          <p:cNvCxnSpPr>
+            <a:stCxn id="17" idx="3"/>
+            <a:endCxn id="19" idx="1"/>
+          </p:cNvCxnSpPr>
+          <p:nvPr/>
+        </p:nvCxnSpPr>
+        <p:spPr>
+          <a:xfrm flipV="1">
+            <a:off x="4902660" y="3231554"/>
+            <a:ext cx="667383" cy="552562"/>
+          </a:xfrm>
+          <a:prstGeom prst="straightConnector1">
+            <a:avLst/>
+          </a:prstGeom>
+          <a:ln>
+            <a:tailEnd type="triangle"/>
+          </a:ln>
+        </p:spPr>
+        <p:style>
+          <a:lnRef idx="1">
+            <a:schemeClr val="accent1"/>
+          </a:lnRef>
+          <a:fillRef idx="0">
+            <a:schemeClr val="accent1"/>
+          </a:fillRef>
+          <a:effectRef idx="0">
+            <a:schemeClr val="accent1"/>
+          </a:effectRef>
+          <a:fontRef idx="minor">
+            <a:schemeClr val="tx1"/>
+          </a:fontRef>
+        </p:style>
+      </p:cxnSp>
+      <p:cxnSp>
+        <p:nvCxnSpPr>
+          <p:cNvPr id="47" name="直線單箭頭接點 46"/>
+          <p:cNvCxnSpPr>
+            <a:stCxn id="17" idx="3"/>
+            <a:endCxn id="18" idx="1"/>
+          </p:cNvCxnSpPr>
+          <p:nvPr/>
+        </p:nvCxnSpPr>
+        <p:spPr>
+          <a:xfrm>
+            <a:off x="4902660" y="3784116"/>
+            <a:ext cx="667383" cy="523278"/>
+          </a:xfrm>
+          <a:prstGeom prst="straightConnector1">
+            <a:avLst/>
+          </a:prstGeom>
+          <a:ln>
+            <a:tailEnd type="triangle"/>
+          </a:ln>
+        </p:spPr>
+        <p:style>
+          <a:lnRef idx="1">
+            <a:schemeClr val="accent1"/>
+          </a:lnRef>
+          <a:fillRef idx="0">
+            <a:schemeClr val="accent1"/>
+          </a:fillRef>
+          <a:effectRef idx="0">
+            <a:schemeClr val="accent1"/>
+          </a:effectRef>
+          <a:fontRef idx="minor">
+            <a:schemeClr val="tx1"/>
+          </a:fontRef>
+        </p:style>
+      </p:cxnSp>
+      <p:cxnSp>
+        <p:nvCxnSpPr>
+          <p:cNvPr id="49" name="直線單箭頭接點 48"/>
+          <p:cNvCxnSpPr>
+            <a:stCxn id="28" idx="0"/>
+            <a:endCxn id="22" idx="2"/>
+          </p:cNvCxnSpPr>
+          <p:nvPr/>
+        </p:nvCxnSpPr>
+        <p:spPr>
+          <a:xfrm flipV="1">
+            <a:off x="7357938" y="4571005"/>
+            <a:ext cx="0" cy="692780"/>
+          </a:xfrm>
+          <a:prstGeom prst="straightConnector1">
+            <a:avLst/>
+          </a:prstGeom>
+          <a:ln>
+            <a:tailEnd type="triangle"/>
+          </a:ln>
+        </p:spPr>
+        <p:style>
+          <a:lnRef idx="1">
+            <a:schemeClr val="accent1"/>
+          </a:lnRef>
+          <a:fillRef idx="0">
+            <a:schemeClr val="accent1"/>
+          </a:fillRef>
+          <a:effectRef idx="0">
+            <a:schemeClr val="accent1"/>
+          </a:effectRef>
+          <a:fontRef idx="minor">
+            <a:schemeClr val="tx1"/>
+          </a:fontRef>
+        </p:style>
+      </p:cxnSp>
+    </p:spTree>
+    <p:extLst>
+      <p:ext uri="{BB962C8B-B14F-4D97-AF65-F5344CB8AC3E}">
+        <p14:creationId xmlns:p14="http://schemas.microsoft.com/office/powerpoint/2010/main" val="1712249420"/>
+      </p:ext>
+    </p:extLst>
+  </p:cSld>
+  <p:clrMapOvr>
+    <a:masterClrMapping/>
+  </p:clrMapOvr>
+</p:sld>
+</file>
+
+<file path=ppt/slides/slide4.xml><?xml version="1.0" encoding="utf-8"?>
+<p:sld xmlns:a="http://schemas.openxmlformats.org/drawingml/2006/main" xmlns:r="http://schemas.openxmlformats.org/officeDocument/2006/relationships" xmlns:p="http://schemas.openxmlformats.org/presentationml/2006/main">
+  <p:cSld>
+    <p:spTree>
+      <p:nvGrpSpPr>
+        <p:cNvPr id="1" name=""/>
+        <p:cNvGrpSpPr/>
+        <p:nvPr/>
+      </p:nvGrpSpPr>
+      <p:grpSpPr>
+        <a:xfrm>
+          <a:off x="0" y="0"/>
+          <a:ext cx="0" cy="0"/>
+          <a:chOff x="0" y="0"/>
+          <a:chExt cx="0" cy="0"/>
+        </a:xfrm>
+      </p:grpSpPr>
+      <p:sp>
+        <p:nvSpPr>
+          <p:cNvPr id="2" name="標題 1"/>
+          <p:cNvSpPr>
+            <a:spLocks noGrp="1"/>
+          </p:cNvSpPr>
+          <p:nvPr>
+            <p:ph type="title"/>
+          </p:nvPr>
+        </p:nvSpPr>
+        <p:spPr/>
+        <p:txBody>
+          <a:bodyPr/>
+          <a:lstStyle/>
+          <a:p>
+            <a:r>
+              <a:rPr lang="zh-TW" altLang="en-US" dirty="0" smtClean="0"/>
+              <a:t>加工</a:t>
+            </a:r>
+            <a:endParaRPr lang="zh-TW" altLang="en-US" dirty="0"/>
+          </a:p>
+        </p:txBody>
+      </p:sp>
+      <p:grpSp>
+        <p:nvGrpSpPr>
+          <p:cNvPr id="4" name="群組 3"/>
+          <p:cNvGrpSpPr/>
+          <p:nvPr/>
+        </p:nvGrpSpPr>
+        <p:grpSpPr>
+          <a:xfrm>
+            <a:off x="438352" y="1951378"/>
+            <a:ext cx="4056433" cy="2973859"/>
+            <a:chOff x="5305916" y="2136106"/>
+            <a:chExt cx="4056433" cy="2973859"/>
+          </a:xfrm>
+        </p:grpSpPr>
+        <p:sp>
+          <p:nvSpPr>
+            <p:cNvPr id="11" name="立方體 10"/>
+            <p:cNvSpPr/>
+            <p:nvPr/>
+          </p:nvSpPr>
+          <p:spPr>
+            <a:xfrm>
+              <a:off x="5305916" y="2136106"/>
+              <a:ext cx="2899719" cy="2973859"/>
+            </a:xfrm>
+            <a:prstGeom prst="cube">
+              <a:avLst/>
+            </a:prstGeom>
+          </p:spPr>
+          <p:style>
+            <a:lnRef idx="2">
+              <a:schemeClr val="accent1">
+                <a:shade val="50000"/>
+              </a:schemeClr>
+            </a:lnRef>
+            <a:fillRef idx="1">
+              <a:schemeClr val="accent1"/>
+            </a:fillRef>
+            <a:effectRef idx="0">
+              <a:schemeClr val="accent1"/>
+            </a:effectRef>
+            <a:fontRef idx="minor">
+              <a:schemeClr val="lt1"/>
+            </a:fontRef>
+          </p:style>
+          <p:txBody>
+            <a:bodyPr rtlCol="0" anchor="ctr"/>
+            <a:lstStyle/>
+            <a:p>
+              <a:pPr algn="ctr"/>
+              <a:endParaRPr lang="zh-TW" altLang="en-US"/>
+            </a:p>
+          </p:txBody>
+        </p:sp>
+        <p:pic>
+          <p:nvPicPr>
+            <p:cNvPr id="4098" name="Picture 2" descr="http://www.ho-cheng.com/uploads/2/7/7/9/27792877/4308580_orig.jpg"/>
+            <p:cNvPicPr>
+              <a:picLocks noChangeAspect="1" noChangeArrowheads="1"/>
+            </p:cNvPicPr>
+            <p:nvPr/>
+          </p:nvPicPr>
+          <p:blipFill rotWithShape="1">
+            <a:blip r:embed="rId2">
+              <a:extLst>
+                <a:ext uri="{BEBA8EAE-BF5A-486C-A8C5-ECC9F3942E4B}">
+                  <a14:imgProps xmlns:a14="http://schemas.microsoft.com/office/drawing/2010/main">
+                    <a14:imgLayer r:embed="rId3">
+                      <a14:imgEffect>
+                        <a14:backgroundRemoval t="5556" b="92889" l="10000" r="90000">
+                          <a14:foregroundMark x1="20500" y1="35333" x2="60667" y2="15333"/>
+                          <a14:foregroundMark x1="61333" y1="10444" x2="65333" y2="9778"/>
+                          <a14:foregroundMark x1="58000" y1="10889" x2="58167" y2="13778"/>
+                          <a14:foregroundMark x1="80500" y1="27111" x2="68000" y2="59333"/>
+                          <a14:foregroundMark x1="87000" y1="31556" x2="80667" y2="76444"/>
+                          <a14:foregroundMark x1="78167" y1="80000" x2="82333" y2="81556"/>
+                          <a14:foregroundMark x1="33167" y1="78889" x2="41333" y2="82444"/>
+                          <a14:foregroundMark x1="50667" y1="89333" x2="49167" y2="83111"/>
+                          <a14:foregroundMark x1="23833" y1="49111" x2="37000" y2="63556"/>
+                        </a14:backgroundRemoval>
+                      </a14:imgEffect>
+                    </a14:imgLayer>
+                  </a14:imgProps>
+                </a:ext>
+                <a:ext uri="{28A0092B-C50C-407E-A947-70E740481C1C}">
+                  <a14:useLocalDpi xmlns:a14="http://schemas.microsoft.com/office/drawing/2010/main" val="0"/>
+                </a:ext>
+              </a:extLst>
+            </a:blip>
+            <a:srcRect l="8752" t="25373" r="13348" b="9119"/>
+            <a:stretch/>
+          </p:blipFill>
+          <p:spPr bwMode="auto">
+            <a:xfrm rot="16200000">
+              <a:off x="7482925" y="3230540"/>
+              <a:ext cx="2050784" cy="1708065"/>
+            </a:xfrm>
+            <a:prstGeom prst="rect">
+              <a:avLst/>
+            </a:prstGeom>
+            <a:noFill/>
+            <a:extLst>
+              <a:ext uri="{909E8E84-426E-40DD-AFC4-6F175D3DCCD1}">
+                <a14:hiddenFill xmlns:a14="http://schemas.microsoft.com/office/drawing/2010/main">
+                  <a:solidFill>
+                    <a:srgbClr val="FFFFFF"/>
+                  </a:solidFill>
+                </a14:hiddenFill>
+              </a:ext>
+            </a:extLst>
+          </p:spPr>
+        </p:pic>
+        <p:sp>
+          <p:nvSpPr>
+            <p:cNvPr id="13" name="平行四邊形 12"/>
+            <p:cNvSpPr/>
+            <p:nvPr/>
+          </p:nvSpPr>
+          <p:spPr>
+            <a:xfrm rot="18888195">
+              <a:off x="6671020" y="3009482"/>
+              <a:ext cx="1966531" cy="1523167"/>
+            </a:xfrm>
+            <a:prstGeom prst="parallelogram">
+              <a:avLst>
+                <a:gd name="adj" fmla="val 98378"/>
+              </a:avLst>
+            </a:prstGeom>
+            <a:solidFill>
+              <a:srgbClr val="497DAB"/>
+            </a:solidFill>
+            <a:ln>
+              <a:noFill/>
+            </a:ln>
+          </p:spPr>
+          <p:style>
+            <a:lnRef idx="2">
+              <a:schemeClr val="accent1">
+                <a:shade val="50000"/>
+              </a:schemeClr>
+            </a:lnRef>
+            <a:fillRef idx="1">
+              <a:schemeClr val="accent1"/>
+            </a:fillRef>
+            <a:effectRef idx="0">
+              <a:schemeClr val="accent1"/>
+            </a:effectRef>
+            <a:fontRef idx="minor">
+              <a:schemeClr val="lt1"/>
+            </a:fontRef>
+          </p:style>
+          <p:txBody>
+            <a:bodyPr rtlCol="0" anchor="ctr"/>
+            <a:lstStyle/>
+            <a:p>
+              <a:pPr algn="ctr"/>
+              <a:endParaRPr lang="zh-TW" altLang="en-US"/>
+            </a:p>
+          </p:txBody>
+        </p:sp>
+      </p:grpSp>
+      <p:sp>
+        <p:nvSpPr>
+          <p:cNvPr id="15" name="圓角矩形 14"/>
+          <p:cNvSpPr/>
+          <p:nvPr/>
+        </p:nvSpPr>
+        <p:spPr>
+          <a:xfrm>
+            <a:off x="4590539" y="3439085"/>
+            <a:ext cx="914400" cy="527222"/>
+          </a:xfrm>
+          <a:prstGeom prst="roundRect">
+            <a:avLst/>
+          </a:prstGeom>
+        </p:spPr>
+        <p:style>
+          <a:lnRef idx="2">
+            <a:schemeClr val="accent4">
+              <a:shade val="50000"/>
+            </a:schemeClr>
+          </a:lnRef>
+          <a:fillRef idx="1">
+            <a:schemeClr val="accent4"/>
+          </a:fillRef>
+          <a:effectRef idx="0">
+            <a:schemeClr val="accent4"/>
+          </a:effectRef>
+          <a:fontRef idx="minor">
+            <a:schemeClr val="lt1"/>
+          </a:fontRef>
+        </p:style>
+        <p:txBody>
+          <a:bodyPr rtlCol="0" anchor="ctr"/>
+          <a:lstStyle/>
+          <a:p>
+            <a:pPr algn="ctr"/>
+            <a:r>
+              <a:rPr lang="zh-TW" altLang="en-US" dirty="0" smtClean="0"/>
+              <a:t>木棒</a:t>
+            </a:r>
+            <a:endParaRPr lang="zh-TW" altLang="en-US" dirty="0"/>
+          </a:p>
+        </p:txBody>
+      </p:sp>
+      <p:sp>
+        <p:nvSpPr>
+          <p:cNvPr id="16" name="圓角矩形 15"/>
+          <p:cNvSpPr/>
+          <p:nvPr/>
+        </p:nvSpPr>
+        <p:spPr>
+          <a:xfrm>
+            <a:off x="6038672" y="4036320"/>
+            <a:ext cx="914400" cy="527222"/>
+          </a:xfrm>
+          <a:prstGeom prst="roundRect">
+            <a:avLst/>
+          </a:prstGeom>
+        </p:spPr>
+        <p:style>
+          <a:lnRef idx="2">
+            <a:schemeClr val="accent1">
+              <a:shade val="50000"/>
+            </a:schemeClr>
+          </a:lnRef>
+          <a:fillRef idx="1">
+            <a:schemeClr val="accent1"/>
+          </a:fillRef>
+          <a:effectRef idx="0">
+            <a:schemeClr val="accent1"/>
+          </a:effectRef>
+          <a:fontRef idx="minor">
+            <a:schemeClr val="lt1"/>
+          </a:fontRef>
+        </p:style>
+        <p:txBody>
+          <a:bodyPr rtlCol="0" anchor="ctr"/>
+          <a:lstStyle/>
+          <a:p>
+            <a:pPr algn="ctr"/>
+            <a:r>
+              <a:rPr lang="zh-TW" altLang="en-US" dirty="0" smtClean="0"/>
+              <a:t>木塊</a:t>
+            </a:r>
+            <a:endParaRPr lang="zh-TW" altLang="en-US" dirty="0"/>
+          </a:p>
+        </p:txBody>
+      </p:sp>
+      <p:sp>
+        <p:nvSpPr>
+          <p:cNvPr id="17" name="圓角矩形 16"/>
+          <p:cNvSpPr/>
+          <p:nvPr/>
+        </p:nvSpPr>
+        <p:spPr>
+          <a:xfrm>
+            <a:off x="7439920" y="3438307"/>
+            <a:ext cx="914400" cy="527222"/>
+          </a:xfrm>
+          <a:prstGeom prst="roundRect">
+            <a:avLst/>
+          </a:prstGeom>
+        </p:spPr>
+        <p:style>
+          <a:lnRef idx="2">
+            <a:schemeClr val="accent1">
+              <a:shade val="50000"/>
+            </a:schemeClr>
+          </a:lnRef>
+          <a:fillRef idx="1">
+            <a:schemeClr val="accent1"/>
+          </a:fillRef>
+          <a:effectRef idx="0">
+            <a:schemeClr val="accent1"/>
+          </a:effectRef>
+          <a:fontRef idx="minor">
+            <a:schemeClr val="lt1"/>
+          </a:fontRef>
+        </p:style>
+        <p:txBody>
+          <a:bodyPr rtlCol="0" anchor="ctr"/>
+          <a:lstStyle/>
+          <a:p>
+            <a:pPr algn="ctr"/>
+            <a:r>
+              <a:rPr lang="zh-TW" altLang="en-US" dirty="0" smtClean="0"/>
+              <a:t>木板</a:t>
+            </a:r>
+            <a:endParaRPr lang="zh-TW" altLang="en-US" dirty="0"/>
+          </a:p>
+        </p:txBody>
+      </p:sp>
+      <p:sp>
+        <p:nvSpPr>
+          <p:cNvPr id="18" name="圓角矩形 17"/>
+          <p:cNvSpPr/>
+          <p:nvPr/>
+        </p:nvSpPr>
+        <p:spPr>
+          <a:xfrm>
+            <a:off x="7439920" y="4537339"/>
+            <a:ext cx="914400" cy="527222"/>
+          </a:xfrm>
+          <a:prstGeom prst="roundRect">
+            <a:avLst/>
+          </a:prstGeom>
+        </p:spPr>
+        <p:style>
+          <a:lnRef idx="2">
+            <a:schemeClr val="accent1">
+              <a:shade val="50000"/>
+            </a:schemeClr>
+          </a:lnRef>
+          <a:fillRef idx="1">
+            <a:schemeClr val="accent1"/>
+          </a:fillRef>
+          <a:effectRef idx="0">
+            <a:schemeClr val="accent1"/>
+          </a:effectRef>
+          <a:fontRef idx="minor">
+            <a:schemeClr val="lt1"/>
+          </a:fontRef>
+        </p:style>
+        <p:txBody>
+          <a:bodyPr rtlCol="0" anchor="ctr"/>
+          <a:lstStyle/>
+          <a:p>
+            <a:pPr algn="ctr"/>
+            <a:r>
+              <a:rPr lang="zh-TW" altLang="en-US" dirty="0" smtClean="0"/>
+              <a:t>木樁</a:t>
+            </a:r>
+            <a:endParaRPr lang="zh-TW" altLang="en-US" dirty="0"/>
+          </a:p>
+        </p:txBody>
+      </p:sp>
+      <p:cxnSp>
+        <p:nvCxnSpPr>
+          <p:cNvPr id="19" name="直線單箭頭接點 18"/>
+          <p:cNvCxnSpPr>
+            <a:stCxn id="18" idx="2"/>
+            <a:endCxn id="20" idx="3"/>
+          </p:cNvCxnSpPr>
+          <p:nvPr/>
+        </p:nvCxnSpPr>
+        <p:spPr>
+          <a:xfrm>
+            <a:off x="7897120" y="5064561"/>
+            <a:ext cx="0" cy="513501"/>
+          </a:xfrm>
+          <a:prstGeom prst="straightConnector1">
+            <a:avLst/>
+          </a:prstGeom>
+          <a:ln>
+            <a:tailEnd type="triangle"/>
+          </a:ln>
+        </p:spPr>
+        <p:style>
+          <a:lnRef idx="1">
+            <a:schemeClr val="accent1"/>
+          </a:lnRef>
+          <a:fillRef idx="0">
+            <a:schemeClr val="accent1"/>
+          </a:fillRef>
+          <a:effectRef idx="0">
+            <a:schemeClr val="accent1"/>
+          </a:effectRef>
+          <a:fontRef idx="minor">
+            <a:schemeClr val="tx1"/>
+          </a:fontRef>
+        </p:style>
+      </p:cxnSp>
+      <p:sp>
+        <p:nvSpPr>
+          <p:cNvPr id="20" name="雲朵形 19"/>
+          <p:cNvSpPr/>
+          <p:nvPr/>
+        </p:nvSpPr>
+        <p:spPr>
+          <a:xfrm>
+            <a:off x="7402849" y="5534258"/>
+            <a:ext cx="988542" cy="766120"/>
+          </a:xfrm>
+          <a:prstGeom prst="cloud">
+            <a:avLst/>
+          </a:prstGeom>
+        </p:spPr>
+        <p:style>
+          <a:lnRef idx="2">
+            <a:schemeClr val="accent6">
+              <a:shade val="50000"/>
+            </a:schemeClr>
+          </a:lnRef>
+          <a:fillRef idx="1">
+            <a:schemeClr val="accent6"/>
+          </a:fillRef>
+          <a:effectRef idx="0">
+            <a:schemeClr val="accent6"/>
+          </a:effectRef>
+          <a:fontRef idx="minor">
+            <a:schemeClr val="lt1"/>
+          </a:fontRef>
+        </p:style>
+        <p:txBody>
+          <a:bodyPr rtlCol="0" anchor="ctr"/>
+          <a:lstStyle/>
+          <a:p>
+            <a:pPr algn="ctr"/>
+            <a:r>
+              <a:rPr lang="zh-TW" altLang="en-US" dirty="0"/>
+              <a:t>土地</a:t>
+            </a:r>
+            <a:endParaRPr lang="zh-TW" altLang="en-US" dirty="0"/>
+          </a:p>
+        </p:txBody>
+      </p:sp>
+      <p:cxnSp>
+        <p:nvCxnSpPr>
+          <p:cNvPr id="24" name="直線單箭頭接點 23"/>
+          <p:cNvCxnSpPr>
+            <a:stCxn id="15" idx="3"/>
+            <a:endCxn id="16" idx="1"/>
+          </p:cNvCxnSpPr>
+          <p:nvPr/>
+        </p:nvCxnSpPr>
+        <p:spPr>
+          <a:xfrm>
+            <a:off x="5504939" y="3702696"/>
+            <a:ext cx="533733" cy="597235"/>
+          </a:xfrm>
+          <a:prstGeom prst="straightConnector1">
+            <a:avLst/>
+          </a:prstGeom>
+          <a:ln>
+            <a:tailEnd type="triangle"/>
+          </a:ln>
+        </p:spPr>
+        <p:style>
+          <a:lnRef idx="1">
+            <a:schemeClr val="accent1"/>
+          </a:lnRef>
+          <a:fillRef idx="0">
+            <a:schemeClr val="accent1"/>
+          </a:fillRef>
+          <a:effectRef idx="0">
+            <a:schemeClr val="accent1"/>
+          </a:effectRef>
+          <a:fontRef idx="minor">
+            <a:schemeClr val="tx1"/>
+          </a:fontRef>
+        </p:style>
+      </p:cxnSp>
+      <p:cxnSp>
+        <p:nvCxnSpPr>
+          <p:cNvPr id="26" name="直線單箭頭接點 25"/>
+          <p:cNvCxnSpPr>
+            <a:stCxn id="16" idx="3"/>
+            <a:endCxn id="17" idx="1"/>
+          </p:cNvCxnSpPr>
+          <p:nvPr/>
+        </p:nvCxnSpPr>
+        <p:spPr>
+          <a:xfrm flipV="1">
+            <a:off x="6953072" y="3701918"/>
+            <a:ext cx="486848" cy="598013"/>
+          </a:xfrm>
+          <a:prstGeom prst="straightConnector1">
+            <a:avLst/>
+          </a:prstGeom>
+          <a:ln>
+            <a:tailEnd type="triangle"/>
+          </a:ln>
+        </p:spPr>
+        <p:style>
+          <a:lnRef idx="1">
+            <a:schemeClr val="accent1"/>
+          </a:lnRef>
+          <a:fillRef idx="0">
+            <a:schemeClr val="accent1"/>
+          </a:fillRef>
+          <a:effectRef idx="0">
+            <a:schemeClr val="accent1"/>
+          </a:effectRef>
+          <a:fontRef idx="minor">
+            <a:schemeClr val="tx1"/>
+          </a:fontRef>
+        </p:style>
+      </p:cxnSp>
+      <p:cxnSp>
+        <p:nvCxnSpPr>
+          <p:cNvPr id="28" name="直線單箭頭接點 27"/>
+          <p:cNvCxnSpPr>
+            <a:stCxn id="16" idx="3"/>
+            <a:endCxn id="18" idx="1"/>
+          </p:cNvCxnSpPr>
+          <p:nvPr/>
+        </p:nvCxnSpPr>
+        <p:spPr>
+          <a:xfrm>
+            <a:off x="6953072" y="4299931"/>
+            <a:ext cx="486848" cy="501019"/>
+          </a:xfrm>
+          <a:prstGeom prst="straightConnector1">
+            <a:avLst/>
+          </a:prstGeom>
+          <a:ln>
+            <a:tailEnd type="triangle"/>
+          </a:ln>
+        </p:spPr>
+        <p:style>
+          <a:lnRef idx="1">
+            <a:schemeClr val="accent1"/>
+          </a:lnRef>
+          <a:fillRef idx="0">
+            <a:schemeClr val="accent1"/>
+          </a:fillRef>
+          <a:effectRef idx="0">
+            <a:schemeClr val="accent1"/>
+          </a:effectRef>
+          <a:fontRef idx="minor">
+            <a:schemeClr val="tx1"/>
+          </a:fontRef>
+        </p:style>
+      </p:cxnSp>
+      <p:sp>
+        <p:nvSpPr>
+          <p:cNvPr id="37" name="圓角矩形 36"/>
+          <p:cNvSpPr/>
+          <p:nvPr/>
+        </p:nvSpPr>
+        <p:spPr>
+          <a:xfrm>
+            <a:off x="8907273" y="2339276"/>
+            <a:ext cx="914400" cy="527222"/>
+          </a:xfrm>
+          <a:prstGeom prst="roundRect">
+            <a:avLst/>
+          </a:prstGeom>
+        </p:spPr>
+        <p:style>
+          <a:lnRef idx="2">
+            <a:schemeClr val="accent1">
+              <a:shade val="50000"/>
+            </a:schemeClr>
+          </a:lnRef>
+          <a:fillRef idx="1">
+            <a:schemeClr val="accent1"/>
+          </a:fillRef>
+          <a:effectRef idx="0">
+            <a:schemeClr val="accent1"/>
+          </a:effectRef>
+          <a:fontRef idx="minor">
+            <a:schemeClr val="lt1"/>
+          </a:fontRef>
+        </p:style>
+        <p:txBody>
+          <a:bodyPr rtlCol="0" anchor="ctr"/>
+          <a:lstStyle/>
+          <a:p>
+            <a:pPr algn="ctr"/>
+            <a:r>
+              <a:rPr lang="zh-TW" altLang="en-US" dirty="0" smtClean="0"/>
+              <a:t>木鍬</a:t>
+            </a:r>
+            <a:endParaRPr lang="zh-TW" altLang="en-US" dirty="0"/>
+          </a:p>
+        </p:txBody>
+      </p:sp>
+      <p:cxnSp>
+        <p:nvCxnSpPr>
+          <p:cNvPr id="38" name="直線單箭頭接點 37"/>
+          <p:cNvCxnSpPr>
+            <a:stCxn id="17" idx="3"/>
+            <a:endCxn id="37" idx="1"/>
+          </p:cNvCxnSpPr>
+          <p:nvPr/>
+        </p:nvCxnSpPr>
+        <p:spPr>
+          <a:xfrm flipV="1">
+            <a:off x="8354320" y="2602887"/>
+            <a:ext cx="552953" cy="1099031"/>
+          </a:xfrm>
+          <a:prstGeom prst="straightConnector1">
+            <a:avLst/>
+          </a:prstGeom>
+          <a:ln>
+            <a:tailEnd type="triangle"/>
+          </a:ln>
+        </p:spPr>
+        <p:style>
+          <a:lnRef idx="1">
+            <a:schemeClr val="accent1"/>
+          </a:lnRef>
+          <a:fillRef idx="0">
+            <a:schemeClr val="accent1"/>
+          </a:fillRef>
+          <a:effectRef idx="0">
+            <a:schemeClr val="accent1"/>
+          </a:effectRef>
+          <a:fontRef idx="minor">
+            <a:schemeClr val="tx1"/>
+          </a:fontRef>
+        </p:style>
+      </p:cxnSp>
+      <p:sp>
+        <p:nvSpPr>
+          <p:cNvPr id="40" name="圓角矩形 39"/>
+          <p:cNvSpPr/>
+          <p:nvPr/>
+        </p:nvSpPr>
+        <p:spPr>
+          <a:xfrm>
+            <a:off x="8907273" y="4532759"/>
+            <a:ext cx="914400" cy="527222"/>
+          </a:xfrm>
+          <a:prstGeom prst="roundRect">
+            <a:avLst/>
+          </a:prstGeom>
+        </p:spPr>
+        <p:style>
+          <a:lnRef idx="2">
+            <a:schemeClr val="accent1">
+              <a:shade val="50000"/>
+            </a:schemeClr>
+          </a:lnRef>
+          <a:fillRef idx="1">
+            <a:schemeClr val="accent1"/>
+          </a:fillRef>
+          <a:effectRef idx="0">
+            <a:schemeClr val="accent1"/>
+          </a:effectRef>
+          <a:fontRef idx="minor">
+            <a:schemeClr val="lt1"/>
+          </a:fontRef>
+        </p:style>
+        <p:txBody>
+          <a:bodyPr rtlCol="0" anchor="ctr"/>
+          <a:lstStyle/>
+          <a:p>
+            <a:pPr algn="ctr"/>
+            <a:r>
+              <a:rPr lang="zh-TW" altLang="en-US" dirty="0" smtClean="0"/>
+              <a:t>木</a:t>
+            </a:r>
+            <a:r>
+              <a:rPr lang="zh-TW" altLang="en-US" dirty="0"/>
+              <a:t>屋</a:t>
+            </a:r>
+            <a:endParaRPr lang="zh-TW" altLang="en-US" dirty="0"/>
+          </a:p>
+        </p:txBody>
+      </p:sp>
+      <p:sp>
+        <p:nvSpPr>
+          <p:cNvPr id="41" name="圓角矩形 40"/>
+          <p:cNvSpPr/>
+          <p:nvPr/>
+        </p:nvSpPr>
+        <p:spPr>
+          <a:xfrm>
+            <a:off x="8907273" y="3438307"/>
+            <a:ext cx="914400" cy="527222"/>
+          </a:xfrm>
+          <a:prstGeom prst="roundRect">
+            <a:avLst/>
+          </a:prstGeom>
+        </p:spPr>
+        <p:style>
+          <a:lnRef idx="2">
+            <a:schemeClr val="accent1">
+              <a:shade val="50000"/>
+            </a:schemeClr>
+          </a:lnRef>
+          <a:fillRef idx="1">
+            <a:schemeClr val="accent1"/>
+          </a:fillRef>
+          <a:effectRef idx="0">
+            <a:schemeClr val="accent1"/>
+          </a:effectRef>
+          <a:fontRef idx="minor">
+            <a:schemeClr val="lt1"/>
+          </a:fontRef>
+        </p:style>
+        <p:txBody>
+          <a:bodyPr rtlCol="0" anchor="ctr"/>
+          <a:lstStyle/>
+          <a:p>
+            <a:pPr algn="ctr"/>
+            <a:r>
+              <a:rPr lang="zh-TW" altLang="en-US" dirty="0" smtClean="0"/>
+              <a:t>木</a:t>
+            </a:r>
+            <a:r>
+              <a:rPr lang="zh-TW" altLang="en-US" dirty="0" smtClean="0"/>
+              <a:t>箱</a:t>
+            </a:r>
+            <a:endParaRPr lang="zh-TW" altLang="en-US" dirty="0"/>
+          </a:p>
+        </p:txBody>
+      </p:sp>
+      <p:cxnSp>
+        <p:nvCxnSpPr>
+          <p:cNvPr id="42" name="直線單箭頭接點 41"/>
+          <p:cNvCxnSpPr>
+            <a:stCxn id="17" idx="3"/>
+            <a:endCxn id="41" idx="1"/>
+          </p:cNvCxnSpPr>
+          <p:nvPr/>
+        </p:nvCxnSpPr>
+        <p:spPr>
+          <a:xfrm>
+            <a:off x="8354320" y="3701918"/>
+            <a:ext cx="552953" cy="0"/>
+          </a:xfrm>
+          <a:prstGeom prst="straightConnector1">
+            <a:avLst/>
+          </a:prstGeom>
+          <a:ln>
+            <a:tailEnd type="triangle"/>
+          </a:ln>
+        </p:spPr>
+        <p:style>
+          <a:lnRef idx="1">
+            <a:schemeClr val="accent1"/>
+          </a:lnRef>
+          <a:fillRef idx="0">
+            <a:schemeClr val="accent1"/>
+          </a:fillRef>
+          <a:effectRef idx="0">
+            <a:schemeClr val="accent1"/>
+          </a:effectRef>
+          <a:fontRef idx="minor">
+            <a:schemeClr val="tx1"/>
+          </a:fontRef>
+        </p:style>
+      </p:cxnSp>
+      <p:cxnSp>
+        <p:nvCxnSpPr>
+          <p:cNvPr id="44" name="直線單箭頭接點 43"/>
+          <p:cNvCxnSpPr>
+            <a:stCxn id="17" idx="3"/>
+            <a:endCxn id="40" idx="1"/>
+          </p:cNvCxnSpPr>
+          <p:nvPr/>
+        </p:nvCxnSpPr>
+        <p:spPr>
+          <a:xfrm>
+            <a:off x="8354320" y="3701918"/>
+            <a:ext cx="552953" cy="1094452"/>
+          </a:xfrm>
+          <a:prstGeom prst="straightConnector1">
+            <a:avLst/>
+          </a:prstGeom>
+          <a:ln>
+            <a:tailEnd type="triangle"/>
+          </a:ln>
+        </p:spPr>
+        <p:style>
+          <a:lnRef idx="1">
+            <a:schemeClr val="accent1"/>
+          </a:lnRef>
+          <a:fillRef idx="0">
+            <a:schemeClr val="accent1"/>
+          </a:fillRef>
+          <a:effectRef idx="0">
+            <a:schemeClr val="accent1"/>
+          </a:effectRef>
+          <a:fontRef idx="minor">
+            <a:schemeClr val="tx1"/>
+          </a:fontRef>
+        </p:style>
+      </p:cxnSp>
+      <p:cxnSp>
+        <p:nvCxnSpPr>
+          <p:cNvPr id="46" name="直線單箭頭接點 45"/>
+          <p:cNvCxnSpPr>
+            <a:stCxn id="18" idx="3"/>
+            <a:endCxn id="40" idx="1"/>
+          </p:cNvCxnSpPr>
+          <p:nvPr/>
+        </p:nvCxnSpPr>
+        <p:spPr>
+          <a:xfrm flipV="1">
+            <a:off x="8354320" y="4796370"/>
+            <a:ext cx="552953" cy="4580"/>
+          </a:xfrm>
+          <a:prstGeom prst="straightConnector1">
+            <a:avLst/>
+          </a:prstGeom>
+          <a:ln>
+            <a:tailEnd type="triangle"/>
+          </a:ln>
+        </p:spPr>
+        <p:style>
+          <a:lnRef idx="1">
+            <a:schemeClr val="accent1"/>
+          </a:lnRef>
+          <a:fillRef idx="0">
+            <a:schemeClr val="accent1"/>
+          </a:fillRef>
+          <a:effectRef idx="0">
+            <a:schemeClr val="accent1"/>
+          </a:effectRef>
+          <a:fontRef idx="minor">
+            <a:schemeClr val="tx1"/>
+          </a:fontRef>
+        </p:style>
+      </p:cxnSp>
+      <p:sp>
+        <p:nvSpPr>
+          <p:cNvPr id="55" name="雲朵形 54"/>
+          <p:cNvSpPr/>
+          <p:nvPr/>
+        </p:nvSpPr>
+        <p:spPr>
+          <a:xfrm>
+            <a:off x="10300483" y="4413310"/>
+            <a:ext cx="988542" cy="766120"/>
+          </a:xfrm>
+          <a:prstGeom prst="cloud">
+            <a:avLst/>
+          </a:prstGeom>
+        </p:spPr>
+        <p:style>
+          <a:lnRef idx="2">
+            <a:schemeClr val="accent6">
+              <a:shade val="50000"/>
+            </a:schemeClr>
+          </a:lnRef>
+          <a:fillRef idx="1">
+            <a:schemeClr val="accent6"/>
+          </a:fillRef>
+          <a:effectRef idx="0">
+            <a:schemeClr val="accent6"/>
+          </a:effectRef>
+          <a:fontRef idx="minor">
+            <a:schemeClr val="lt1"/>
+          </a:fontRef>
+        </p:style>
+        <p:txBody>
+          <a:bodyPr rtlCol="0" anchor="ctr"/>
+          <a:lstStyle/>
+          <a:p>
+            <a:pPr algn="ctr"/>
+            <a:r>
+              <a:rPr lang="zh-TW" altLang="en-US" dirty="0" smtClean="0"/>
+              <a:t>人員</a:t>
+            </a:r>
+            <a:endParaRPr lang="en-US" altLang="zh-TW" dirty="0" smtClean="0"/>
+          </a:p>
+        </p:txBody>
+      </p:sp>
+      <p:sp>
+        <p:nvSpPr>
+          <p:cNvPr id="56" name="雲朵形 55"/>
+          <p:cNvSpPr/>
+          <p:nvPr/>
+        </p:nvSpPr>
+        <p:spPr>
+          <a:xfrm>
+            <a:off x="10334409" y="3318858"/>
+            <a:ext cx="988542" cy="766120"/>
+          </a:xfrm>
+          <a:prstGeom prst="cloud">
+            <a:avLst/>
+          </a:prstGeom>
+        </p:spPr>
+        <p:style>
+          <a:lnRef idx="2">
+            <a:schemeClr val="accent6">
+              <a:shade val="50000"/>
+            </a:schemeClr>
+          </a:lnRef>
+          <a:fillRef idx="1">
+            <a:schemeClr val="accent6"/>
+          </a:fillRef>
+          <a:effectRef idx="0">
+            <a:schemeClr val="accent6"/>
+          </a:effectRef>
+          <a:fontRef idx="minor">
+            <a:schemeClr val="lt1"/>
+          </a:fontRef>
+        </p:style>
+        <p:txBody>
+          <a:bodyPr rtlCol="0" anchor="ctr"/>
+          <a:lstStyle/>
+          <a:p>
+            <a:pPr algn="ctr"/>
+            <a:r>
+              <a:rPr lang="zh-TW" altLang="en-US" dirty="0" smtClean="0"/>
+              <a:t>載重</a:t>
+            </a:r>
+            <a:endParaRPr lang="en-US" altLang="zh-TW" dirty="0" smtClean="0"/>
+          </a:p>
+        </p:txBody>
+      </p:sp>
+      <p:cxnSp>
+        <p:nvCxnSpPr>
+          <p:cNvPr id="57" name="直線單箭頭接點 56"/>
+          <p:cNvCxnSpPr>
+            <a:stCxn id="40" idx="3"/>
+            <a:endCxn id="55" idx="2"/>
+          </p:cNvCxnSpPr>
+          <p:nvPr/>
+        </p:nvCxnSpPr>
+        <p:spPr>
+          <a:xfrm>
+            <a:off x="9821673" y="4796370"/>
+            <a:ext cx="481876" cy="0"/>
+          </a:xfrm>
+          <a:prstGeom prst="straightConnector1">
+            <a:avLst/>
+          </a:prstGeom>
+          <a:ln>
+            <a:tailEnd type="triangle"/>
+          </a:ln>
+        </p:spPr>
+        <p:style>
+          <a:lnRef idx="1">
+            <a:schemeClr val="accent1"/>
+          </a:lnRef>
+          <a:fillRef idx="0">
+            <a:schemeClr val="accent1"/>
+          </a:fillRef>
+          <a:effectRef idx="0">
+            <a:schemeClr val="accent1"/>
+          </a:effectRef>
+          <a:fontRef idx="minor">
+            <a:schemeClr val="tx1"/>
+          </a:fontRef>
+        </p:style>
+      </p:cxnSp>
+      <p:cxnSp>
+        <p:nvCxnSpPr>
+          <p:cNvPr id="59" name="直線單箭頭接點 58"/>
+          <p:cNvCxnSpPr>
+            <a:stCxn id="41" idx="3"/>
+            <a:endCxn id="56" idx="2"/>
+          </p:cNvCxnSpPr>
+          <p:nvPr/>
+        </p:nvCxnSpPr>
+        <p:spPr>
+          <a:xfrm>
+            <a:off x="9821673" y="3701918"/>
+            <a:ext cx="515802" cy="0"/>
+          </a:xfrm>
+          <a:prstGeom prst="straightConnector1">
+            <a:avLst/>
+          </a:prstGeom>
+          <a:ln>
+            <a:tailEnd type="triangle"/>
+          </a:ln>
+        </p:spPr>
+        <p:style>
+          <a:lnRef idx="1">
+            <a:schemeClr val="accent1"/>
+          </a:lnRef>
+          <a:fillRef idx="0">
+            <a:schemeClr val="accent1"/>
+          </a:fillRef>
+          <a:effectRef idx="0">
+            <a:schemeClr val="accent1"/>
+          </a:effectRef>
+          <a:fontRef idx="minor">
+            <a:schemeClr val="tx1"/>
+          </a:fontRef>
+        </p:style>
+      </p:cxnSp>
+      <p:sp>
+        <p:nvSpPr>
+          <p:cNvPr id="64" name="按鈕形 63"/>
+          <p:cNvSpPr/>
+          <p:nvPr/>
+        </p:nvSpPr>
+        <p:spPr>
+          <a:xfrm>
+            <a:off x="10278873" y="2258972"/>
+            <a:ext cx="914400" cy="675502"/>
+          </a:xfrm>
+          <a:prstGeom prst="bevel">
+            <a:avLst/>
+          </a:prstGeom>
+        </p:spPr>
+        <p:style>
+          <a:lnRef idx="1">
+            <a:schemeClr val="accent2"/>
+          </a:lnRef>
+          <a:fillRef idx="2">
+            <a:schemeClr val="accent2"/>
+          </a:fillRef>
+          <a:effectRef idx="1">
+            <a:schemeClr val="accent2"/>
+          </a:effectRef>
+          <a:fontRef idx="minor">
+            <a:schemeClr val="dk1"/>
+          </a:fontRef>
+        </p:style>
+        <p:txBody>
+          <a:bodyPr rtlCol="0" anchor="ctr"/>
+          <a:lstStyle/>
+          <a:p>
+            <a:pPr algn="ctr"/>
+            <a:r>
+              <a:rPr lang="zh-TW" altLang="en-US" dirty="0" smtClean="0"/>
+              <a:t>種植</a:t>
+            </a:r>
+            <a:endParaRPr lang="zh-TW" altLang="en-US" dirty="0"/>
+          </a:p>
+        </p:txBody>
+      </p:sp>
+      <p:cxnSp>
+        <p:nvCxnSpPr>
+          <p:cNvPr id="65" name="直線單箭頭接點 64"/>
+          <p:cNvCxnSpPr>
+            <a:stCxn id="37" idx="3"/>
+            <a:endCxn id="64" idx="4"/>
+          </p:cNvCxnSpPr>
+          <p:nvPr/>
+        </p:nvCxnSpPr>
+        <p:spPr>
+          <a:xfrm flipV="1">
+            <a:off x="9821673" y="2596723"/>
+            <a:ext cx="457200" cy="6164"/>
+          </a:xfrm>
+          <a:prstGeom prst="straightConnector1">
+            <a:avLst/>
+          </a:prstGeom>
+          <a:ln>
+            <a:tailEnd type="triangle"/>
+          </a:ln>
+        </p:spPr>
+        <p:style>
+          <a:lnRef idx="1">
+            <a:schemeClr val="accent1"/>
+          </a:lnRef>
+          <a:fillRef idx="0">
+            <a:schemeClr val="accent1"/>
+          </a:fillRef>
+          <a:effectRef idx="0">
+            <a:schemeClr val="accent1"/>
+          </a:effectRef>
+          <a:fontRef idx="minor">
+            <a:schemeClr val="tx1"/>
+          </a:fontRef>
+        </p:style>
+      </p:cxnSp>
+      <p:sp>
+        <p:nvSpPr>
+          <p:cNvPr id="75" name="圓角矩形 74"/>
+          <p:cNvSpPr/>
+          <p:nvPr/>
+        </p:nvSpPr>
+        <p:spPr>
+          <a:xfrm>
+            <a:off x="6035083" y="2975720"/>
+            <a:ext cx="914400" cy="527222"/>
+          </a:xfrm>
+          <a:prstGeom prst="roundRect">
+            <a:avLst/>
+          </a:prstGeom>
+        </p:spPr>
+        <p:style>
+          <a:lnRef idx="2">
+            <a:schemeClr val="accent1">
+              <a:shade val="50000"/>
+            </a:schemeClr>
+          </a:lnRef>
+          <a:fillRef idx="1">
+            <a:schemeClr val="accent1"/>
+          </a:fillRef>
+          <a:effectRef idx="0">
+            <a:schemeClr val="accent1"/>
+          </a:effectRef>
+          <a:fontRef idx="minor">
+            <a:schemeClr val="lt1"/>
+          </a:fontRef>
+        </p:style>
+        <p:txBody>
+          <a:bodyPr rtlCol="0" anchor="ctr"/>
+          <a:lstStyle/>
+          <a:p>
+            <a:pPr algn="ctr"/>
+            <a:r>
+              <a:rPr lang="zh-TW" altLang="en-US" dirty="0" smtClean="0"/>
+              <a:t>木槍</a:t>
+            </a:r>
+            <a:endParaRPr lang="zh-TW" altLang="en-US" dirty="0"/>
+          </a:p>
+        </p:txBody>
+      </p:sp>
+      <p:cxnSp>
+        <p:nvCxnSpPr>
+          <p:cNvPr id="76" name="直線單箭頭接點 75"/>
+          <p:cNvCxnSpPr>
+            <a:stCxn id="15" idx="3"/>
+            <a:endCxn id="75" idx="1"/>
+          </p:cNvCxnSpPr>
+          <p:nvPr/>
+        </p:nvCxnSpPr>
+        <p:spPr>
+          <a:xfrm flipV="1">
+            <a:off x="5504939" y="3239331"/>
+            <a:ext cx="530144" cy="463365"/>
+          </a:xfrm>
+          <a:prstGeom prst="straightConnector1">
+            <a:avLst/>
+          </a:prstGeom>
+          <a:ln>
+            <a:tailEnd type="triangle"/>
+          </a:ln>
+        </p:spPr>
+        <p:style>
+          <a:lnRef idx="1">
+            <a:schemeClr val="accent1"/>
+          </a:lnRef>
+          <a:fillRef idx="0">
+            <a:schemeClr val="accent1"/>
+          </a:fillRef>
+          <a:effectRef idx="0">
+            <a:schemeClr val="accent1"/>
+          </a:effectRef>
+          <a:fontRef idx="minor">
+            <a:schemeClr val="tx1"/>
+          </a:fontRef>
+        </p:style>
+      </p:cxnSp>
+      <p:sp>
+        <p:nvSpPr>
+          <p:cNvPr id="77" name="雲朵形 76"/>
+          <p:cNvSpPr/>
+          <p:nvPr/>
+        </p:nvSpPr>
+        <p:spPr>
+          <a:xfrm>
+            <a:off x="6006093" y="1738653"/>
+            <a:ext cx="988542" cy="766120"/>
+          </a:xfrm>
+          <a:prstGeom prst="cloud">
+            <a:avLst/>
+          </a:prstGeom>
+        </p:spPr>
+        <p:style>
+          <a:lnRef idx="2">
+            <a:schemeClr val="accent6">
+              <a:shade val="50000"/>
+            </a:schemeClr>
+          </a:lnRef>
+          <a:fillRef idx="1">
+            <a:schemeClr val="accent6"/>
+          </a:fillRef>
+          <a:effectRef idx="0">
+            <a:schemeClr val="accent6"/>
+          </a:effectRef>
+          <a:fontRef idx="minor">
+            <a:schemeClr val="lt1"/>
+          </a:fontRef>
+        </p:style>
+        <p:txBody>
+          <a:bodyPr rtlCol="0" anchor="ctr"/>
+          <a:lstStyle/>
+          <a:p>
+            <a:pPr algn="ctr"/>
+            <a:r>
+              <a:rPr lang="zh-TW" altLang="en-US" dirty="0" smtClean="0"/>
+              <a:t>攻擊</a:t>
+            </a:r>
+            <a:endParaRPr lang="en-US" altLang="zh-TW" dirty="0" smtClean="0"/>
+          </a:p>
+        </p:txBody>
+      </p:sp>
+      <p:cxnSp>
+        <p:nvCxnSpPr>
+          <p:cNvPr id="78" name="直線單箭頭接點 77"/>
+          <p:cNvCxnSpPr>
+            <a:stCxn id="75" idx="0"/>
+            <a:endCxn id="77" idx="1"/>
+          </p:cNvCxnSpPr>
+          <p:nvPr/>
+        </p:nvCxnSpPr>
+        <p:spPr>
+          <a:xfrm flipV="1">
+            <a:off x="6492283" y="2503957"/>
+            <a:ext cx="8081" cy="471763"/>
+          </a:xfrm>
+          <a:prstGeom prst="straightConnector1">
+            <a:avLst/>
+          </a:prstGeom>
+          <a:ln>
+            <a:tailEnd type="triangle"/>
+          </a:ln>
+        </p:spPr>
+        <p:style>
+          <a:lnRef idx="1">
+            <a:schemeClr val="accent1"/>
+          </a:lnRef>
+          <a:fillRef idx="0">
+            <a:schemeClr val="accent1"/>
+          </a:fillRef>
+          <a:effectRef idx="0">
+            <a:schemeClr val="accent1"/>
+          </a:effectRef>
+          <a:fontRef idx="minor">
+            <a:schemeClr val="tx1"/>
+          </a:fontRef>
+        </p:style>
+      </p:cxnSp>
+      <p:sp>
+        <p:nvSpPr>
+          <p:cNvPr id="87" name="圓角矩形 86"/>
+          <p:cNvSpPr/>
+          <p:nvPr/>
+        </p:nvSpPr>
+        <p:spPr>
+          <a:xfrm>
+            <a:off x="8907273" y="5705392"/>
+            <a:ext cx="914400" cy="527222"/>
+          </a:xfrm>
+          <a:prstGeom prst="roundRect">
+            <a:avLst/>
+          </a:prstGeom>
+        </p:spPr>
+        <p:style>
+          <a:lnRef idx="2">
+            <a:schemeClr val="accent4">
+              <a:shade val="50000"/>
+            </a:schemeClr>
+          </a:lnRef>
+          <a:fillRef idx="1">
+            <a:schemeClr val="accent4"/>
+          </a:fillRef>
+          <a:effectRef idx="0">
+            <a:schemeClr val="accent4"/>
+          </a:effectRef>
+          <a:fontRef idx="minor">
+            <a:schemeClr val="lt1"/>
+          </a:fontRef>
+        </p:style>
+        <p:txBody>
+          <a:bodyPr rtlCol="0" anchor="ctr"/>
+          <a:lstStyle/>
+          <a:p>
+            <a:pPr algn="ctr"/>
+            <a:r>
+              <a:rPr lang="zh-TW" altLang="en-US" dirty="0" smtClean="0"/>
+              <a:t>樹</a:t>
+            </a:r>
+            <a:r>
+              <a:rPr lang="zh-TW" altLang="en-US" dirty="0"/>
+              <a:t>藤</a:t>
+            </a:r>
+          </a:p>
+        </p:txBody>
+      </p:sp>
+      <p:cxnSp>
+        <p:nvCxnSpPr>
+          <p:cNvPr id="88" name="直線單箭頭接點 87"/>
+          <p:cNvCxnSpPr>
+            <a:stCxn id="87" idx="0"/>
+            <a:endCxn id="40" idx="2"/>
+          </p:cNvCxnSpPr>
+          <p:nvPr/>
+        </p:nvCxnSpPr>
+        <p:spPr>
+          <a:xfrm flipV="1">
+            <a:off x="9364473" y="5059981"/>
+            <a:ext cx="0" cy="645411"/>
+          </a:xfrm>
+          <a:prstGeom prst="straightConnector1">
+            <a:avLst/>
+          </a:prstGeom>
+          <a:ln>
+            <a:tailEnd type="triangle"/>
+          </a:ln>
+        </p:spPr>
+        <p:style>
+          <a:lnRef idx="1">
+            <a:schemeClr val="accent1"/>
+          </a:lnRef>
+          <a:fillRef idx="0">
+            <a:schemeClr val="accent1"/>
+          </a:fillRef>
+          <a:effectRef idx="0">
+            <a:schemeClr val="accent1"/>
+          </a:effectRef>
+          <a:fontRef idx="minor">
+            <a:schemeClr val="tx1"/>
+          </a:fontRef>
+        </p:style>
+      </p:cxnSp>
+      <p:sp>
+        <p:nvSpPr>
+          <p:cNvPr id="93" name="按鈕形 92"/>
+          <p:cNvSpPr/>
+          <p:nvPr/>
+        </p:nvSpPr>
+        <p:spPr>
+          <a:xfrm>
+            <a:off x="8907273" y="1157148"/>
+            <a:ext cx="914400" cy="675502"/>
+          </a:xfrm>
+          <a:prstGeom prst="bevel">
+            <a:avLst/>
+          </a:prstGeom>
+        </p:spPr>
+        <p:style>
+          <a:lnRef idx="1">
+            <a:schemeClr val="accent2"/>
+          </a:lnRef>
+          <a:fillRef idx="2">
+            <a:schemeClr val="accent2"/>
+          </a:fillRef>
+          <a:effectRef idx="1">
+            <a:schemeClr val="accent2"/>
+          </a:effectRef>
+          <a:fontRef idx="minor">
+            <a:schemeClr val="dk1"/>
+          </a:fontRef>
+        </p:style>
+        <p:txBody>
+          <a:bodyPr rtlCol="0" anchor="ctr"/>
+          <a:lstStyle/>
+          <a:p>
+            <a:pPr algn="ctr"/>
+            <a:r>
+              <a:rPr lang="zh-TW" altLang="en-US" dirty="0" smtClean="0"/>
+              <a:t>挖掘</a:t>
+            </a:r>
+            <a:endParaRPr lang="zh-TW" altLang="en-US" dirty="0"/>
+          </a:p>
+        </p:txBody>
+      </p:sp>
+      <p:sp>
+        <p:nvSpPr>
+          <p:cNvPr id="94" name="按鈕形 93"/>
+          <p:cNvSpPr/>
+          <p:nvPr/>
+        </p:nvSpPr>
+        <p:spPr>
+          <a:xfrm>
+            <a:off x="7439920" y="1158846"/>
+            <a:ext cx="914400" cy="675502"/>
+          </a:xfrm>
+          <a:prstGeom prst="bevel">
+            <a:avLst/>
+          </a:prstGeom>
+        </p:spPr>
+        <p:style>
+          <a:lnRef idx="1">
+            <a:schemeClr val="accent2"/>
+          </a:lnRef>
+          <a:fillRef idx="2">
+            <a:schemeClr val="accent2"/>
+          </a:fillRef>
+          <a:effectRef idx="1">
+            <a:schemeClr val="accent2"/>
+          </a:effectRef>
+          <a:fontRef idx="minor">
+            <a:schemeClr val="dk1"/>
+          </a:fontRef>
+        </p:style>
+        <p:txBody>
+          <a:bodyPr rtlCol="0" anchor="ctr"/>
+          <a:lstStyle/>
+          <a:p>
+            <a:pPr algn="ctr"/>
+            <a:r>
+              <a:rPr lang="zh-TW" altLang="en-US" dirty="0" smtClean="0"/>
+              <a:t>建造</a:t>
+            </a:r>
+            <a:endParaRPr lang="zh-TW" altLang="en-US" dirty="0"/>
+          </a:p>
+        </p:txBody>
+      </p:sp>
+      <p:sp>
+        <p:nvSpPr>
+          <p:cNvPr id="95" name="圓角矩形 94"/>
+          <p:cNvSpPr/>
+          <p:nvPr/>
+        </p:nvSpPr>
+        <p:spPr>
+          <a:xfrm>
+            <a:off x="7439920" y="2338875"/>
+            <a:ext cx="914400" cy="527222"/>
+          </a:xfrm>
+          <a:prstGeom prst="roundRect">
+            <a:avLst/>
+          </a:prstGeom>
+        </p:spPr>
+        <p:style>
+          <a:lnRef idx="2">
+            <a:schemeClr val="accent1">
+              <a:shade val="50000"/>
+            </a:schemeClr>
+          </a:lnRef>
+          <a:fillRef idx="1">
+            <a:schemeClr val="accent1"/>
+          </a:fillRef>
+          <a:effectRef idx="0">
+            <a:schemeClr val="accent1"/>
+          </a:effectRef>
+          <a:fontRef idx="minor">
+            <a:schemeClr val="lt1"/>
+          </a:fontRef>
+        </p:style>
+        <p:txBody>
+          <a:bodyPr rtlCol="0" anchor="ctr"/>
+          <a:lstStyle/>
+          <a:p>
+            <a:pPr algn="ctr"/>
+            <a:r>
+              <a:rPr lang="zh-TW" altLang="en-US" dirty="0" smtClean="0"/>
+              <a:t>木輪</a:t>
+            </a:r>
+            <a:endParaRPr lang="zh-TW" altLang="en-US" dirty="0"/>
+          </a:p>
+        </p:txBody>
+      </p:sp>
+      <p:cxnSp>
+        <p:nvCxnSpPr>
+          <p:cNvPr id="4118" name="直線單箭頭接點 4117"/>
+          <p:cNvCxnSpPr>
+            <a:stCxn id="17" idx="0"/>
+            <a:endCxn id="95" idx="2"/>
+          </p:cNvCxnSpPr>
+          <p:nvPr/>
+        </p:nvCxnSpPr>
+        <p:spPr>
+          <a:xfrm flipV="1">
+            <a:off x="7897120" y="2866097"/>
+            <a:ext cx="0" cy="572210"/>
+          </a:xfrm>
+          <a:prstGeom prst="straightConnector1">
+            <a:avLst/>
+          </a:prstGeom>
+          <a:ln>
+            <a:tailEnd type="triangle"/>
+          </a:ln>
+        </p:spPr>
+        <p:style>
+          <a:lnRef idx="1">
+            <a:schemeClr val="accent1"/>
+          </a:lnRef>
+          <a:fillRef idx="0">
+            <a:schemeClr val="accent1"/>
+          </a:fillRef>
+          <a:effectRef idx="0">
+            <a:schemeClr val="accent1"/>
+          </a:effectRef>
+          <a:fontRef idx="minor">
+            <a:schemeClr val="tx1"/>
+          </a:fontRef>
+        </p:style>
+      </p:cxnSp>
+      <p:cxnSp>
+        <p:nvCxnSpPr>
+          <p:cNvPr id="99" name="直線單箭頭接點 98"/>
+          <p:cNvCxnSpPr>
+            <a:stCxn id="95" idx="0"/>
+            <a:endCxn id="94" idx="2"/>
+          </p:cNvCxnSpPr>
+          <p:nvPr/>
+        </p:nvCxnSpPr>
+        <p:spPr>
+          <a:xfrm flipV="1">
+            <a:off x="7897120" y="1834348"/>
+            <a:ext cx="0" cy="504527"/>
+          </a:xfrm>
+          <a:prstGeom prst="straightConnector1">
+            <a:avLst/>
+          </a:prstGeom>
+          <a:ln>
+            <a:tailEnd type="triangle"/>
+          </a:ln>
+        </p:spPr>
+        <p:style>
+          <a:lnRef idx="1">
+            <a:schemeClr val="accent1"/>
+          </a:lnRef>
+          <a:fillRef idx="0">
+            <a:schemeClr val="accent1"/>
+          </a:fillRef>
+          <a:effectRef idx="0">
+            <a:schemeClr val="accent1"/>
+          </a:effectRef>
+          <a:fontRef idx="minor">
+            <a:schemeClr val="tx1"/>
+          </a:fontRef>
+        </p:style>
+      </p:cxnSp>
+      <p:cxnSp>
+        <p:nvCxnSpPr>
+          <p:cNvPr id="102" name="直線單箭頭接點 101"/>
+          <p:cNvCxnSpPr>
+            <a:stCxn id="37" idx="0"/>
+            <a:endCxn id="93" idx="2"/>
+          </p:cNvCxnSpPr>
+          <p:nvPr/>
+        </p:nvCxnSpPr>
+        <p:spPr>
+          <a:xfrm flipV="1">
+            <a:off x="9364473" y="1832650"/>
+            <a:ext cx="0" cy="506626"/>
+          </a:xfrm>
+          <a:prstGeom prst="straightConnector1">
+            <a:avLst/>
+          </a:prstGeom>
+          <a:ln>
+            <a:tailEnd type="triangle"/>
+          </a:ln>
+        </p:spPr>
+        <p:style>
+          <a:lnRef idx="1">
+            <a:schemeClr val="accent1"/>
+          </a:lnRef>
+          <a:fillRef idx="0">
+            <a:schemeClr val="accent1"/>
+          </a:fillRef>
+          <a:effectRef idx="0">
+            <a:schemeClr val="accent1"/>
+          </a:effectRef>
+          <a:fontRef idx="minor">
+            <a:schemeClr val="tx1"/>
+          </a:fontRef>
+        </p:style>
+      </p:cxnSp>
+    </p:spTree>
+    <p:extLst>
+      <p:ext uri="{BB962C8B-B14F-4D97-AF65-F5344CB8AC3E}">
+        <p14:creationId xmlns:p14="http://schemas.microsoft.com/office/powerpoint/2010/main" val="3569410735"/>
+      </p:ext>
+    </p:extLst>
+  </p:cSld>
+  <p:clrMapOvr>
+    <a:masterClrMapping/>
+  </p:clrMapOvr>
+</p:sld>
+</file>
+
+<file path=ppt/slides/slide5.xml><?xml version="1.0" encoding="utf-8"?>
+<p:sld xmlns:a="http://schemas.openxmlformats.org/drawingml/2006/main" xmlns:r="http://schemas.openxmlformats.org/officeDocument/2006/relationships" xmlns:p="http://schemas.openxmlformats.org/presentationml/2006/main">
+  <p:cSld>
+    <p:spTree>
+      <p:nvGrpSpPr>
+        <p:cNvPr id="1" name=""/>
+        <p:cNvGrpSpPr/>
+        <p:nvPr/>
+      </p:nvGrpSpPr>
+      <p:grpSpPr>
+        <a:xfrm>
+          <a:off x="0" y="0"/>
+          <a:ext cx="0" cy="0"/>
+          <a:chOff x="0" y="0"/>
+          <a:chExt cx="0" cy="0"/>
+        </a:xfrm>
+      </p:grpSpPr>
+      <p:sp>
+        <p:nvSpPr>
+          <p:cNvPr id="2" name="標題 1"/>
+          <p:cNvSpPr>
+            <a:spLocks noGrp="1"/>
+          </p:cNvSpPr>
+          <p:nvPr>
+            <p:ph type="title"/>
+          </p:nvPr>
+        </p:nvSpPr>
+        <p:spPr/>
+        <p:txBody>
+          <a:bodyPr/>
+          <a:lstStyle/>
+          <a:p>
+            <a:endParaRPr lang="zh-TW" altLang="en-US"/>
+          </a:p>
+        </p:txBody>
+      </p:sp>
+      <p:sp>
+        <p:nvSpPr>
+          <p:cNvPr id="3" name="內容版面配置區 2"/>
+          <p:cNvSpPr>
+            <a:spLocks noGrp="1"/>
+          </p:cNvSpPr>
+          <p:nvPr>
+            <p:ph idx="1"/>
+          </p:nvPr>
+        </p:nvSpPr>
+        <p:spPr/>
+        <p:txBody>
+          <a:bodyPr/>
+          <a:lstStyle/>
+          <a:p>
+            <a:endParaRPr lang="zh-TW" altLang="en-US"/>
+          </a:p>
+        </p:txBody>
+      </p:sp>
+    </p:spTree>
+    <p:extLst>
+      <p:ext uri="{BB962C8B-B14F-4D97-AF65-F5344CB8AC3E}">
+        <p14:creationId xmlns:p14="http://schemas.microsoft.com/office/powerpoint/2010/main" val="2201562152"/>
+      </p:ext>
+    </p:extLst>
+  </p:cSld>
+  <p:clrMapOvr>
+    <a:masterClrMapping/>
+  </p:clrMapOvr>
+</p:sld>
+</file>
+
+<file path=ppt/slides/slide6.xml><?xml version="1.0" encoding="utf-8"?>
+<p:sld xmlns:a="http://schemas.openxmlformats.org/drawingml/2006/main" xmlns:r="http://schemas.openxmlformats.org/officeDocument/2006/relationships" xmlns:p="http://schemas.openxmlformats.org/presentationml/2006/main">
+  <p:cSld>
+    <p:spTree>
+      <p:nvGrpSpPr>
+        <p:cNvPr id="1" name=""/>
+        <p:cNvGrpSpPr/>
+        <p:nvPr/>
+      </p:nvGrpSpPr>
+      <p:grpSpPr>
+        <a:xfrm>
+          <a:off x="0" y="0"/>
+          <a:ext cx="0" cy="0"/>
+          <a:chOff x="0" y="0"/>
+          <a:chExt cx="0" cy="0"/>
+        </a:xfrm>
+      </p:grpSpPr>
+      <p:sp>
+        <p:nvSpPr>
           <p:cNvPr id="4" name="圓角矩形 3"/>
           <p:cNvSpPr/>
           <p:nvPr/>
@@ -3173,7 +6245,7 @@
         </p:nvSpPr>
         <p:spPr>
           <a:xfrm>
-            <a:off x="1359757" y="4129728"/>
+            <a:off x="1357697" y="4028820"/>
             <a:ext cx="914400" cy="527222"/>
           </a:xfrm>
           <a:prstGeom prst="roundRect">
@@ -3220,8 +6292,8 @@
         </p:nvCxnSpPr>
         <p:spPr>
           <a:xfrm flipH="1">
-            <a:off x="1816957" y="3699811"/>
-            <a:ext cx="629681" cy="429917"/>
+            <a:off x="1814897" y="3699811"/>
+            <a:ext cx="631741" cy="329009"/>
           </a:xfrm>
           <a:prstGeom prst="straightConnector1">
             <a:avLst/>
@@ -3725,7 +6797,7 @@
         </p:nvSpPr>
         <p:spPr>
           <a:xfrm>
-            <a:off x="5775760" y="4129728"/>
+            <a:off x="5318560" y="4037562"/>
             <a:ext cx="914400" cy="527222"/>
           </a:xfrm>
           <a:prstGeom prst="roundRect">
@@ -3771,9 +6843,9 @@
           <p:nvPr/>
         </p:nvCxnSpPr>
         <p:spPr>
-          <a:xfrm>
-            <a:off x="5777820" y="3704966"/>
-            <a:ext cx="455140" cy="424762"/>
+          <a:xfrm flipH="1">
+            <a:off x="5775760" y="3704966"/>
+            <a:ext cx="2060" cy="332596"/>
           </a:xfrm>
           <a:prstGeom prst="straightConnector1">
             <a:avLst/>
@@ -3885,7 +6957,7 @@
         </p:nvSpPr>
         <p:spPr>
           <a:xfrm>
-            <a:off x="3891349" y="4143642"/>
+            <a:off x="3889289" y="4042734"/>
             <a:ext cx="914400" cy="527222"/>
           </a:xfrm>
           <a:prstGeom prst="roundRect">
@@ -3931,9 +7003,9 @@
           <p:nvPr/>
         </p:nvCxnSpPr>
         <p:spPr>
-          <a:xfrm>
-            <a:off x="4348549" y="3699811"/>
-            <a:ext cx="0" cy="443831"/>
+          <a:xfrm flipH="1">
+            <a:off x="4346489" y="3699811"/>
+            <a:ext cx="2060" cy="342923"/>
           </a:xfrm>
           <a:prstGeom prst="straightConnector1">
             <a:avLst/>
@@ -4045,7 +7117,7 @@
         </p:nvSpPr>
         <p:spPr>
           <a:xfrm>
-            <a:off x="3854278" y="5011222"/>
+            <a:off x="3852218" y="4910314"/>
             <a:ext cx="988542" cy="766120"/>
           </a:xfrm>
           <a:prstGeom prst="cloud">
@@ -4092,7 +7164,7 @@
         </p:nvCxnSpPr>
         <p:spPr>
           <a:xfrm>
-            <a:off x="4348549" y="4670864"/>
+            <a:off x="4346489" y="4569956"/>
             <a:ext cx="0" cy="384162"/>
           </a:xfrm>
           <a:prstGeom prst="straightConnector1">
@@ -4125,7 +7197,7 @@
         </p:nvSpPr>
         <p:spPr>
           <a:xfrm>
-            <a:off x="1319596" y="4967418"/>
+            <a:off x="1317536" y="4866510"/>
             <a:ext cx="988542" cy="766120"/>
           </a:xfrm>
           <a:prstGeom prst="cloud">
@@ -4172,7 +7244,7 @@
         </p:nvCxnSpPr>
         <p:spPr>
           <a:xfrm flipH="1">
-            <a:off x="1813867" y="4656950"/>
+            <a:off x="1811807" y="4556042"/>
             <a:ext cx="3090" cy="354272"/>
           </a:xfrm>
           <a:prstGeom prst="straightConnector1">
@@ -4247,7 +7319,7 @@
         </p:nvSpPr>
         <p:spPr>
           <a:xfrm>
-            <a:off x="6612926" y="3101027"/>
+            <a:off x="6690160" y="1396316"/>
             <a:ext cx="914400" cy="675502"/>
           </a:xfrm>
           <a:prstGeom prst="bevel">
@@ -4276,48 +7348,6 @@
             <a:r>
               <a:rPr lang="zh-TW" altLang="en-US" dirty="0" smtClean="0"/>
               <a:t>建造</a:t>
-            </a:r>
-            <a:endParaRPr lang="zh-TW" altLang="en-US" dirty="0"/>
-          </a:p>
-        </p:txBody>
-      </p:sp>
-      <p:sp>
-        <p:nvSpPr>
-          <p:cNvPr id="92" name="按鈕形 91"/>
-          <p:cNvSpPr/>
-          <p:nvPr/>
-        </p:nvSpPr>
-        <p:spPr>
-          <a:xfrm>
-            <a:off x="7088664" y="4055588"/>
-            <a:ext cx="914400" cy="675502"/>
-          </a:xfrm>
-          <a:prstGeom prst="bevel">
-            <a:avLst/>
-          </a:prstGeom>
-        </p:spPr>
-        <p:style>
-          <a:lnRef idx="1">
-            <a:schemeClr val="accent2"/>
-          </a:lnRef>
-          <a:fillRef idx="2">
-            <a:schemeClr val="accent2"/>
-          </a:fillRef>
-          <a:effectRef idx="1">
-            <a:schemeClr val="accent2"/>
-          </a:effectRef>
-          <a:fontRef idx="minor">
-            <a:schemeClr val="dk1"/>
-          </a:fontRef>
-        </p:style>
-        <p:txBody>
-          <a:bodyPr rtlCol="0" anchor="ctr"/>
-          <a:lstStyle/>
-          <a:p>
-            <a:pPr algn="ctr"/>
-            <a:r>
-              <a:rPr lang="zh-TW" altLang="en-US" dirty="0" smtClean="0"/>
-              <a:t>土地</a:t>
             </a:r>
             <a:endParaRPr lang="zh-TW" altLang="en-US" dirty="0"/>
           </a:p>
@@ -4328,14 +7358,14 @@
           <p:cNvPr id="94" name="直線單箭頭接點 93"/>
           <p:cNvCxnSpPr>
             <a:stCxn id="37" idx="3"/>
-            <a:endCxn id="91" idx="4"/>
+            <a:endCxn id="56" idx="1"/>
           </p:cNvCxnSpPr>
           <p:nvPr/>
         </p:nvCxnSpPr>
         <p:spPr>
-          <a:xfrm flipV="1">
-            <a:off x="6235020" y="3438778"/>
-            <a:ext cx="377906" cy="2577"/>
+          <a:xfrm>
+            <a:off x="6235020" y="3441355"/>
+            <a:ext cx="445862" cy="851076"/>
           </a:xfrm>
           <a:prstGeom prst="straightConnector1">
             <a:avLst/>
@@ -4363,15 +7393,15 @@
         <p:nvCxnSpPr>
           <p:cNvPr id="96" name="直線單箭頭接點 95"/>
           <p:cNvCxnSpPr>
-            <a:stCxn id="59" idx="3"/>
-            <a:endCxn id="92" idx="4"/>
+            <a:stCxn id="59" idx="2"/>
+            <a:endCxn id="54" idx="3"/>
           </p:cNvCxnSpPr>
           <p:nvPr/>
         </p:nvCxnSpPr>
         <p:spPr>
-          <a:xfrm>
-            <a:off x="6690160" y="4393339"/>
-            <a:ext cx="398504" cy="0"/>
+          <a:xfrm flipH="1">
+            <a:off x="5775759" y="4564784"/>
+            <a:ext cx="1" cy="376400"/>
           </a:xfrm>
           <a:prstGeom prst="straightConnector1">
             <a:avLst/>
@@ -4439,7 +7469,7 @@
         </p:nvSpPr>
         <p:spPr>
           <a:xfrm>
-            <a:off x="2573293" y="4138470"/>
+            <a:off x="2571233" y="4037562"/>
             <a:ext cx="914400" cy="527222"/>
           </a:xfrm>
           <a:prstGeom prst="roundRect">
@@ -4475,7 +7505,6 @@
               <a:rPr lang="zh-TW" altLang="en-US" dirty="0"/>
               <a:t>屋</a:t>
             </a:r>
-            <a:endParaRPr lang="zh-TW" altLang="en-US" dirty="0"/>
           </a:p>
         </p:txBody>
       </p:sp>
@@ -4487,7 +7516,7 @@
         </p:nvSpPr>
         <p:spPr>
           <a:xfrm>
-            <a:off x="2539311" y="4967418"/>
+            <a:off x="2537251" y="4866510"/>
             <a:ext cx="988542" cy="766120"/>
           </a:xfrm>
           <a:prstGeom prst="cloud">
@@ -4534,7 +7563,7 @@
         </p:nvCxnSpPr>
         <p:spPr>
           <a:xfrm>
-            <a:off x="3030493" y="4665692"/>
+            <a:off x="3028433" y="4564784"/>
             <a:ext cx="3089" cy="345530"/>
           </a:xfrm>
           <a:prstGeom prst="straightConnector1">
@@ -4571,7 +7600,7 @@
         <p:spPr>
           <a:xfrm>
             <a:off x="2446638" y="3699811"/>
-            <a:ext cx="583855" cy="438659"/>
+            <a:ext cx="581795" cy="337751"/>
           </a:xfrm>
           <a:prstGeom prst="straightConnector1">
             <a:avLst/>
@@ -4603,7 +7632,7 @@
         </p:nvSpPr>
         <p:spPr>
           <a:xfrm>
-            <a:off x="6612926" y="2278274"/>
+            <a:off x="6679847" y="2290120"/>
             <a:ext cx="914400" cy="675502"/>
           </a:xfrm>
           <a:prstGeom prst="bevel">
@@ -4647,9 +7676,345 @@
           <p:nvPr/>
         </p:nvCxnSpPr>
         <p:spPr>
-          <a:xfrm flipV="1">
-            <a:off x="6232960" y="2616025"/>
-            <a:ext cx="379966" cy="11846"/>
+          <a:xfrm>
+            <a:off x="6232960" y="2627871"/>
+            <a:ext cx="446887" cy="0"/>
+          </a:xfrm>
+          <a:prstGeom prst="straightConnector1">
+            <a:avLst/>
+          </a:prstGeom>
+          <a:ln>
+            <a:tailEnd type="triangle"/>
+          </a:ln>
+        </p:spPr>
+        <p:style>
+          <a:lnRef idx="1">
+            <a:schemeClr val="accent1"/>
+          </a:lnRef>
+          <a:fillRef idx="0">
+            <a:schemeClr val="accent1"/>
+          </a:fillRef>
+          <a:effectRef idx="0">
+            <a:schemeClr val="accent1"/>
+          </a:effectRef>
+          <a:fontRef idx="minor">
+            <a:schemeClr val="tx1"/>
+          </a:fontRef>
+        </p:style>
+      </p:cxnSp>
+      <p:sp>
+        <p:nvSpPr>
+          <p:cNvPr id="54" name="雲朵形 53"/>
+          <p:cNvSpPr/>
+          <p:nvPr/>
+        </p:nvSpPr>
+        <p:spPr>
+          <a:xfrm>
+            <a:off x="5281488" y="4897380"/>
+            <a:ext cx="988542" cy="766120"/>
+          </a:xfrm>
+          <a:prstGeom prst="cloud">
+            <a:avLst/>
+          </a:prstGeom>
+        </p:spPr>
+        <p:style>
+          <a:lnRef idx="2">
+            <a:schemeClr val="accent6">
+              <a:shade val="50000"/>
+            </a:schemeClr>
+          </a:lnRef>
+          <a:fillRef idx="1">
+            <a:schemeClr val="accent6"/>
+          </a:fillRef>
+          <a:effectRef idx="0">
+            <a:schemeClr val="accent6"/>
+          </a:effectRef>
+          <a:fontRef idx="minor">
+            <a:schemeClr val="lt1"/>
+          </a:fontRef>
+        </p:style>
+        <p:txBody>
+          <a:bodyPr rtlCol="0" anchor="ctr"/>
+          <a:lstStyle/>
+          <a:p>
+            <a:pPr algn="ctr"/>
+            <a:r>
+              <a:rPr lang="zh-TW" altLang="en-US" dirty="0"/>
+              <a:t>土地</a:t>
+            </a:r>
+            <a:endParaRPr lang="zh-TW" altLang="en-US" dirty="0"/>
+          </a:p>
+        </p:txBody>
+      </p:sp>
+      <p:sp>
+        <p:nvSpPr>
+          <p:cNvPr id="56" name="圓角矩形 55"/>
+          <p:cNvSpPr/>
+          <p:nvPr/>
+        </p:nvSpPr>
+        <p:spPr>
+          <a:xfrm>
+            <a:off x="6680882" y="4028820"/>
+            <a:ext cx="914400" cy="527222"/>
+          </a:xfrm>
+          <a:prstGeom prst="roundRect">
+            <a:avLst/>
+          </a:prstGeom>
+        </p:spPr>
+        <p:style>
+          <a:lnRef idx="2">
+            <a:schemeClr val="accent1">
+              <a:shade val="50000"/>
+            </a:schemeClr>
+          </a:lnRef>
+          <a:fillRef idx="1">
+            <a:schemeClr val="accent1"/>
+          </a:fillRef>
+          <a:effectRef idx="0">
+            <a:schemeClr val="accent1"/>
+          </a:effectRef>
+          <a:fontRef idx="minor">
+            <a:schemeClr val="lt1"/>
+          </a:fontRef>
+        </p:style>
+        <p:txBody>
+          <a:bodyPr rtlCol="0" anchor="ctr"/>
+          <a:lstStyle/>
+          <a:p>
+            <a:pPr algn="ctr"/>
+            <a:r>
+              <a:rPr lang="zh-TW" altLang="en-US" dirty="0" smtClean="0"/>
+              <a:t>木</a:t>
+            </a:r>
+            <a:r>
+              <a:rPr lang="zh-TW" altLang="en-US" dirty="0"/>
+              <a:t>屋</a:t>
+            </a:r>
+            <a:endParaRPr lang="zh-TW" altLang="en-US" dirty="0"/>
+          </a:p>
+        </p:txBody>
+      </p:sp>
+      <p:sp>
+        <p:nvSpPr>
+          <p:cNvPr id="60" name="圓角矩形 59"/>
+          <p:cNvSpPr/>
+          <p:nvPr/>
+        </p:nvSpPr>
+        <p:spPr>
+          <a:xfrm>
+            <a:off x="6679847" y="3177744"/>
+            <a:ext cx="914400" cy="527222"/>
+          </a:xfrm>
+          <a:prstGeom prst="roundRect">
+            <a:avLst/>
+          </a:prstGeom>
+        </p:spPr>
+        <p:style>
+          <a:lnRef idx="2">
+            <a:schemeClr val="accent1">
+              <a:shade val="50000"/>
+            </a:schemeClr>
+          </a:lnRef>
+          <a:fillRef idx="1">
+            <a:schemeClr val="accent1"/>
+          </a:fillRef>
+          <a:effectRef idx="0">
+            <a:schemeClr val="accent1"/>
+          </a:effectRef>
+          <a:fontRef idx="minor">
+            <a:schemeClr val="lt1"/>
+          </a:fontRef>
+        </p:style>
+        <p:txBody>
+          <a:bodyPr rtlCol="0" anchor="ctr"/>
+          <a:lstStyle/>
+          <a:p>
+            <a:pPr algn="ctr"/>
+            <a:r>
+              <a:rPr lang="zh-TW" altLang="en-US" dirty="0" smtClean="0"/>
+              <a:t>木</a:t>
+            </a:r>
+            <a:r>
+              <a:rPr lang="zh-TW" altLang="en-US" dirty="0" smtClean="0"/>
+              <a:t>箱</a:t>
+            </a:r>
+            <a:endParaRPr lang="zh-TW" altLang="en-US" dirty="0"/>
+          </a:p>
+        </p:txBody>
+      </p:sp>
+      <p:cxnSp>
+        <p:nvCxnSpPr>
+          <p:cNvPr id="62" name="直線單箭頭接點 61"/>
+          <p:cNvCxnSpPr>
+            <a:stCxn id="37" idx="3"/>
+            <a:endCxn id="60" idx="1"/>
+          </p:cNvCxnSpPr>
+          <p:nvPr/>
+        </p:nvCxnSpPr>
+        <p:spPr>
+          <a:xfrm>
+            <a:off x="6235020" y="3441355"/>
+            <a:ext cx="444827" cy="0"/>
+          </a:xfrm>
+          <a:prstGeom prst="straightConnector1">
+            <a:avLst/>
+          </a:prstGeom>
+          <a:ln>
+            <a:tailEnd type="triangle"/>
+          </a:ln>
+        </p:spPr>
+        <p:style>
+          <a:lnRef idx="1">
+            <a:schemeClr val="accent1"/>
+          </a:lnRef>
+          <a:fillRef idx="0">
+            <a:schemeClr val="accent1"/>
+          </a:fillRef>
+          <a:effectRef idx="0">
+            <a:schemeClr val="accent1"/>
+          </a:effectRef>
+          <a:fontRef idx="minor">
+            <a:schemeClr val="tx1"/>
+          </a:fontRef>
+        </p:style>
+      </p:cxnSp>
+      <p:sp>
+        <p:nvSpPr>
+          <p:cNvPr id="69" name="雲朵形 68"/>
+          <p:cNvSpPr/>
+          <p:nvPr/>
+        </p:nvSpPr>
+        <p:spPr>
+          <a:xfrm>
+            <a:off x="6654622" y="4866510"/>
+            <a:ext cx="988542" cy="766120"/>
+          </a:xfrm>
+          <a:prstGeom prst="cloud">
+            <a:avLst/>
+          </a:prstGeom>
+        </p:spPr>
+        <p:style>
+          <a:lnRef idx="2">
+            <a:schemeClr val="accent6">
+              <a:shade val="50000"/>
+            </a:schemeClr>
+          </a:lnRef>
+          <a:fillRef idx="1">
+            <a:schemeClr val="accent6"/>
+          </a:fillRef>
+          <a:effectRef idx="0">
+            <a:schemeClr val="accent6"/>
+          </a:effectRef>
+          <a:fontRef idx="minor">
+            <a:schemeClr val="lt1"/>
+          </a:fontRef>
+        </p:style>
+        <p:txBody>
+          <a:bodyPr rtlCol="0" anchor="ctr"/>
+          <a:lstStyle/>
+          <a:p>
+            <a:pPr algn="ctr"/>
+            <a:r>
+              <a:rPr lang="zh-TW" altLang="en-US" dirty="0" smtClean="0"/>
+              <a:t>人員</a:t>
+            </a:r>
+            <a:endParaRPr lang="en-US" altLang="zh-TW" dirty="0" smtClean="0"/>
+          </a:p>
+        </p:txBody>
+      </p:sp>
+      <p:cxnSp>
+        <p:nvCxnSpPr>
+          <p:cNvPr id="70" name="直線單箭頭接點 69"/>
+          <p:cNvCxnSpPr>
+            <a:stCxn id="56" idx="2"/>
+            <a:endCxn id="69" idx="3"/>
+          </p:cNvCxnSpPr>
+          <p:nvPr/>
+        </p:nvCxnSpPr>
+        <p:spPr>
+          <a:xfrm>
+            <a:off x="7138082" y="4556042"/>
+            <a:ext cx="10811" cy="354272"/>
+          </a:xfrm>
+          <a:prstGeom prst="straightConnector1">
+            <a:avLst/>
+          </a:prstGeom>
+          <a:ln>
+            <a:tailEnd type="triangle"/>
+          </a:ln>
+        </p:spPr>
+        <p:style>
+          <a:lnRef idx="1">
+            <a:schemeClr val="accent1"/>
+          </a:lnRef>
+          <a:fillRef idx="0">
+            <a:schemeClr val="accent1"/>
+          </a:fillRef>
+          <a:effectRef idx="0">
+            <a:schemeClr val="accent1"/>
+          </a:effectRef>
+          <a:fontRef idx="minor">
+            <a:schemeClr val="tx1"/>
+          </a:fontRef>
+        </p:style>
+      </p:cxnSp>
+      <p:sp>
+        <p:nvSpPr>
+          <p:cNvPr id="72" name="雲朵形 71"/>
+          <p:cNvSpPr/>
+          <p:nvPr/>
+        </p:nvSpPr>
+        <p:spPr>
+          <a:xfrm>
+            <a:off x="7816159" y="3977891"/>
+            <a:ext cx="988542" cy="766120"/>
+          </a:xfrm>
+          <a:prstGeom prst="cloud">
+            <a:avLst/>
+          </a:prstGeom>
+        </p:spPr>
+        <p:style>
+          <a:lnRef idx="2">
+            <a:schemeClr val="accent6">
+              <a:shade val="50000"/>
+            </a:schemeClr>
+          </a:lnRef>
+          <a:fillRef idx="1">
+            <a:schemeClr val="accent6"/>
+          </a:fillRef>
+          <a:effectRef idx="0">
+            <a:schemeClr val="accent6"/>
+          </a:effectRef>
+          <a:fontRef idx="minor">
+            <a:schemeClr val="lt1"/>
+          </a:fontRef>
+        </p:style>
+        <p:txBody>
+          <a:bodyPr rtlCol="0" anchor="ctr"/>
+          <a:lstStyle/>
+          <a:p>
+            <a:pPr algn="ctr"/>
+            <a:r>
+              <a:rPr lang="zh-TW" altLang="en-US" dirty="0" smtClean="0"/>
+              <a:t>載重</a:t>
+            </a:r>
+            <a:endParaRPr lang="en-US" altLang="zh-TW" dirty="0" smtClean="0"/>
+          </a:p>
+        </p:txBody>
+      </p:sp>
+      <p:cxnSp>
+        <p:nvCxnSpPr>
+          <p:cNvPr id="75" name="直線單箭頭接點 74"/>
+          <p:cNvCxnSpPr>
+            <a:stCxn id="60" idx="2"/>
+            <a:endCxn id="72" idx="3"/>
+          </p:cNvCxnSpPr>
+          <p:nvPr/>
+        </p:nvCxnSpPr>
+        <p:spPr>
+          <a:xfrm>
+            <a:off x="7137047" y="3704966"/>
+            <a:ext cx="1173383" cy="316729"/>
           </a:xfrm>
           <a:prstGeom prst="straightConnector1">
             <a:avLst/>
